--- a/Presentation.pptx
+++ b/Presentation.pptx
@@ -5,7 +5,7 @@
     <p:sldMasterId id="2147483648" r:id="rId1"/>
   </p:sldMasterIdLst>
   <p:notesMasterIdLst>
-    <p:notesMasterId r:id="rId32"/>
+    <p:notesMasterId r:id="rId33"/>
   </p:notesMasterIdLst>
   <p:sldIdLst>
     <p:sldId id="256" r:id="rId2"/>
@@ -29,15 +29,16 @@
     <p:sldId id="278" r:id="rId20"/>
     <p:sldId id="271" r:id="rId21"/>
     <p:sldId id="282" r:id="rId22"/>
-    <p:sldId id="279" r:id="rId23"/>
-    <p:sldId id="272" r:id="rId24"/>
-    <p:sldId id="269" r:id="rId25"/>
-    <p:sldId id="270" r:id="rId26"/>
-    <p:sldId id="284" r:id="rId27"/>
-    <p:sldId id="285" r:id="rId28"/>
-    <p:sldId id="286" r:id="rId29"/>
-    <p:sldId id="283" r:id="rId30"/>
-    <p:sldId id="280" r:id="rId31"/>
+    <p:sldId id="287" r:id="rId23"/>
+    <p:sldId id="279" r:id="rId24"/>
+    <p:sldId id="272" r:id="rId25"/>
+    <p:sldId id="269" r:id="rId26"/>
+    <p:sldId id="270" r:id="rId27"/>
+    <p:sldId id="284" r:id="rId28"/>
+    <p:sldId id="285" r:id="rId29"/>
+    <p:sldId id="286" r:id="rId30"/>
+    <p:sldId id="283" r:id="rId31"/>
+    <p:sldId id="280" r:id="rId32"/>
   </p:sldIdLst>
   <p:sldSz cx="12192000" cy="6858000"/>
   <p:notesSz cx="6858000" cy="9144000"/>
@@ -136,6 +137,11 @@
       </a:defRPr>
     </a:lvl9pPr>
   </p:defaultTextStyle>
+  <p:extLst>
+    <p:ext uri="{EFAFB233-063F-42B5-8137-9DF3F51BA10A}">
+      <p15:sldGuideLst xmlns:p15="http://schemas.microsoft.com/office/powerpoint/2012/main"/>
+    </p:ext>
+  </p:extLst>
 </p:presentation>
 </file>
 
@@ -575,6 +581,90 @@
 </p:notes>
 </file>
 
+<file path=ppt/notesSlides/notesSlide10.xml><?xml version="1.0" encoding="utf-8"?>
+<p:notes xmlns:a="http://schemas.openxmlformats.org/drawingml/2006/main" xmlns:r="http://schemas.openxmlformats.org/officeDocument/2006/relationships" xmlns:p="http://schemas.openxmlformats.org/presentationml/2006/main">
+  <p:cSld>
+    <p:spTree>
+      <p:nvGrpSpPr>
+        <p:cNvPr id="1" name=""/>
+        <p:cNvGrpSpPr/>
+        <p:nvPr/>
+      </p:nvGrpSpPr>
+      <p:grpSpPr>
+        <a:xfrm>
+          <a:off x="0" y="0"/>
+          <a:ext cx="0" cy="0"/>
+          <a:chOff x="0" y="0"/>
+          <a:chExt cx="0" cy="0"/>
+        </a:xfrm>
+      </p:grpSpPr>
+      <p:sp>
+        <p:nvSpPr>
+          <p:cNvPr id="2" name="Slide Image Placeholder 1"/>
+          <p:cNvSpPr>
+            <a:spLocks noGrp="1" noRot="1" noChangeAspect="1"/>
+          </p:cNvSpPr>
+          <p:nvPr>
+            <p:ph type="sldImg"/>
+          </p:nvPr>
+        </p:nvSpPr>
+        <p:spPr/>
+      </p:sp>
+      <p:sp>
+        <p:nvSpPr>
+          <p:cNvPr id="3" name="Notes Placeholder 2"/>
+          <p:cNvSpPr>
+            <a:spLocks noGrp="1"/>
+          </p:cNvSpPr>
+          <p:nvPr>
+            <p:ph type="body" idx="1"/>
+          </p:nvPr>
+        </p:nvSpPr>
+        <p:spPr/>
+        <p:txBody>
+          <a:bodyPr/>
+          <a:lstStyle/>
+          <a:p>
+            <a:endParaRPr lang="en-US" dirty="0"/>
+          </a:p>
+        </p:txBody>
+      </p:sp>
+      <p:sp>
+        <p:nvSpPr>
+          <p:cNvPr id="4" name="Slide Number Placeholder 3"/>
+          <p:cNvSpPr>
+            <a:spLocks noGrp="1"/>
+          </p:cNvSpPr>
+          <p:nvPr>
+            <p:ph type="sldNum" sz="quarter" idx="5"/>
+          </p:nvPr>
+        </p:nvSpPr>
+        <p:spPr/>
+        <p:txBody>
+          <a:bodyPr/>
+          <a:lstStyle/>
+          <a:p>
+            <a:fld id="{8217958A-B7AD-4AAC-A9A7-F97996E48211}" type="slidenum">
+              <a:rPr lang="en-US" smtClean="0"/>
+              <a:t>26</a:t>
+            </a:fld>
+            <a:endParaRPr lang="en-US"/>
+          </a:p>
+        </p:txBody>
+      </p:sp>
+    </p:spTree>
+    <p:extLst>
+      <p:ext uri="{BB962C8B-B14F-4D97-AF65-F5344CB8AC3E}">
+        <p14:creationId xmlns:p14="http://schemas.microsoft.com/office/powerpoint/2010/main" val="3245245209"/>
+      </p:ext>
+    </p:extLst>
+  </p:cSld>
+  <p:clrMapOvr>
+    <a:masterClrMapping/>
+  </p:clrMapOvr>
+</p:notes>
+</file>
+
 <file path=ppt/notesSlides/notesSlide2.xml><?xml version="1.0" encoding="utf-8"?>
 <p:notes xmlns:a="http://schemas.openxmlformats.org/drawingml/2006/main" xmlns:r="http://schemas.openxmlformats.org/officeDocument/2006/relationships" xmlns:p="http://schemas.openxmlformats.org/presentationml/2006/main">
   <p:cSld>
@@ -1059,8 +1149,12 @@
           <a:lstStyle/>
           <a:p>
             <a:r>
+              <a:rPr lang="en-US" dirty="0" err="1"/>
+              <a:t>CutService</a:t>
+            </a:r>
+            <a:r>
               <a:rPr lang="en-US" dirty="0"/>
-              <a:t>Back to tiles…</a:t>
+              <a:t> ln 116</a:t>
             </a:r>
           </a:p>
         </p:txBody>
@@ -1091,7 +1185,7 @@
     </p:spTree>
     <p:extLst>
       <p:ext uri="{BB962C8B-B14F-4D97-AF65-F5344CB8AC3E}">
-        <p14:creationId xmlns:p14="http://schemas.microsoft.com/office/powerpoint/2010/main" val="3100510720"/>
+        <p14:creationId xmlns:p14="http://schemas.microsoft.com/office/powerpoint/2010/main" val="1298949875"/>
       </p:ext>
     </p:extLst>
   </p:cSld>
@@ -1145,7 +1239,10 @@
           <a:bodyPr/>
           <a:lstStyle/>
           <a:p>
-            <a:endParaRPr lang="en-US" dirty="0"/>
+            <a:r>
+              <a:rPr lang="en-US" dirty="0"/>
+              <a:t>Back to tiles…</a:t>
+            </a:r>
           </a:p>
         </p:txBody>
       </p:sp>
@@ -1166,7 +1263,7 @@
           <a:p>
             <a:fld id="{8217958A-B7AD-4AAC-A9A7-F97996E48211}" type="slidenum">
               <a:rPr lang="en-US" smtClean="0"/>
-              <a:t>24</a:t>
+              <a:t>23</a:t>
             </a:fld>
             <a:endParaRPr lang="en-US"/>
           </a:p>
@@ -1175,7 +1272,7 @@
     </p:spTree>
     <p:extLst>
       <p:ext uri="{BB962C8B-B14F-4D97-AF65-F5344CB8AC3E}">
-        <p14:creationId xmlns:p14="http://schemas.microsoft.com/office/powerpoint/2010/main" val="3546700682"/>
+        <p14:creationId xmlns:p14="http://schemas.microsoft.com/office/powerpoint/2010/main" val="3100510720"/>
       </p:ext>
     </p:extLst>
   </p:cSld>
@@ -1259,7 +1356,7 @@
     </p:spTree>
     <p:extLst>
       <p:ext uri="{BB962C8B-B14F-4D97-AF65-F5344CB8AC3E}">
-        <p14:creationId xmlns:p14="http://schemas.microsoft.com/office/powerpoint/2010/main" val="3245245209"/>
+        <p14:creationId xmlns:p14="http://schemas.microsoft.com/office/powerpoint/2010/main" val="3546700682"/>
       </p:ext>
     </p:extLst>
   </p:cSld>
@@ -6549,12 +6646,12 @@
         <p:spPr>
           <a:xfrm>
             <a:off x="810001" y="5280846"/>
-            <a:ext cx="10572000" cy="755969"/>
+            <a:ext cx="10572000" cy="1217608"/>
           </a:xfrm>
         </p:spPr>
         <p:txBody>
           <a:bodyPr>
-            <a:normAutofit lnSpcReduction="10000"/>
+            <a:normAutofit/>
           </a:bodyPr>
           <a:lstStyle/>
           <a:p>
@@ -6565,8 +6662,23 @@
           </a:p>
           <a:p>
             <a:r>
+              <a:rPr lang="en-US" dirty="0">
+                <a:hlinkClick r:id="rId2"/>
+              </a:rPr>
+              <a:t>https://github.com/joeybrown/tiles</a:t>
+            </a:r>
+            <a:endParaRPr lang="en-US" dirty="0"/>
+          </a:p>
+          <a:p>
+            <a:r>
+              <a:rPr lang="en-US" dirty="0">
+                <a:hlinkClick r:id="rId3"/>
+              </a:rPr>
+              <a:t>https://github.com/joeybrown/tiles-presentation</a:t>
+            </a:r>
+            <a:r>
               <a:rPr lang="en-US" dirty="0"/>
-              <a:t>https://github.com/joeybrown/tiles</a:t>
+              <a:t> </a:t>
             </a:r>
           </a:p>
         </p:txBody>
@@ -10269,10 +10381,10 @@
       </p:grpSpPr>
       <p:sp>
         <p:nvSpPr>
-          <p:cNvPr id="2" name="Title 1">
+          <p:cNvPr id="4" name="Title 3">
             <a:extLst>
               <a:ext uri="{FF2B5EF4-FFF2-40B4-BE49-F238E27FC236}">
-                <a16:creationId xmlns:a16="http://schemas.microsoft.com/office/drawing/2014/main" id="{28631221-65AE-4FCB-877F-05B5674807BA}"/>
+                <a16:creationId xmlns:a16="http://schemas.microsoft.com/office/drawing/2014/main" id="{7A136AB2-6680-4F59-8083-ECE0D7ACC692}"/>
               </a:ext>
             </a:extLst>
           </p:cNvPr>
@@ -10290,70 +10402,105 @@
           <a:p>
             <a:r>
               <a:rPr lang="en-US" dirty="0"/>
-              <a:t>Architecture</a:t>
-            </a:r>
-          </a:p>
-        </p:txBody>
-      </p:sp>
-      <p:sp>
-        <p:nvSpPr>
-          <p:cNvPr id="3" name="Content Placeholder 2">
+              <a:t>Test Non-Deterministic Things</a:t>
+            </a:r>
+          </a:p>
+        </p:txBody>
+      </p:sp>
+      <p:pic>
+        <p:nvPicPr>
+          <p:cNvPr id="5" name="Picture 4">
             <a:extLst>
               <a:ext uri="{FF2B5EF4-FFF2-40B4-BE49-F238E27FC236}">
-                <a16:creationId xmlns:a16="http://schemas.microsoft.com/office/drawing/2014/main" id="{65BB017C-77CB-41BB-9AE7-E9D5C8602A36}"/>
+                <a16:creationId xmlns:a16="http://schemas.microsoft.com/office/drawing/2014/main" id="{14A18076-8DBD-4663-8954-D6659B70B680}"/>
               </a:ext>
             </a:extLst>
           </p:cNvPr>
-          <p:cNvSpPr>
-            <a:spLocks noGrp="1"/>
-          </p:cNvSpPr>
-          <p:nvPr>
-            <p:ph idx="1"/>
-          </p:nvPr>
-        </p:nvSpPr>
-        <p:spPr/>
-        <p:txBody>
-          <a:bodyPr/>
-          <a:lstStyle/>
-          <a:p>
-            <a:r>
-              <a:rPr lang="en-US" dirty="0"/>
-              <a:t>Black-box Unit Testing</a:t>
-            </a:r>
-          </a:p>
-          <a:p>
-            <a:pPr lvl="1"/>
-            <a:r>
-              <a:rPr lang="en-US" dirty="0"/>
-              <a:t>Not too concerned with implementation details</a:t>
-            </a:r>
-          </a:p>
-          <a:p>
-            <a:pPr lvl="1"/>
-            <a:r>
-              <a:rPr lang="en-US" dirty="0"/>
-              <a:t>Not TDD</a:t>
-            </a:r>
-          </a:p>
-          <a:p>
-            <a:r>
-              <a:rPr lang="en-US" dirty="0"/>
-              <a:t>Single Responsibility Principle </a:t>
-            </a:r>
-          </a:p>
-          <a:p>
-            <a:pPr lvl="1"/>
-            <a:r>
-              <a:rPr lang="en-US" dirty="0"/>
-              <a:t>Able to build robots independently</a:t>
-            </a:r>
-          </a:p>
-        </p:txBody>
-      </p:sp>
+          <p:cNvPicPr>
+            <a:picLocks noChangeAspect="1"/>
+          </p:cNvPicPr>
+          <p:nvPr/>
+        </p:nvPicPr>
+        <p:blipFill>
+          <a:blip r:embed="rId3"/>
+          <a:stretch>
+            <a:fillRect/>
+          </a:stretch>
+        </p:blipFill>
+        <p:spPr>
+          <a:xfrm>
+            <a:off x="3219048" y="3052710"/>
+            <a:ext cx="5753903" cy="752580"/>
+          </a:xfrm>
+          <a:prstGeom prst="rect">
+            <a:avLst/>
+          </a:prstGeom>
+        </p:spPr>
+      </p:pic>
+      <p:pic>
+        <p:nvPicPr>
+          <p:cNvPr id="6" name="Picture 5">
+            <a:extLst>
+              <a:ext uri="{FF2B5EF4-FFF2-40B4-BE49-F238E27FC236}">
+                <a16:creationId xmlns:a16="http://schemas.microsoft.com/office/drawing/2014/main" id="{B74B366A-8673-4F3C-A250-C75544BA6A1C}"/>
+              </a:ext>
+            </a:extLst>
+          </p:cNvPr>
+          <p:cNvPicPr>
+            <a:picLocks noChangeAspect="1"/>
+          </p:cNvPicPr>
+          <p:nvPr/>
+        </p:nvPicPr>
+        <p:blipFill>
+          <a:blip r:embed="rId4"/>
+          <a:stretch>
+            <a:fillRect/>
+          </a:stretch>
+        </p:blipFill>
+        <p:spPr>
+          <a:xfrm>
+            <a:off x="1620778" y="4158485"/>
+            <a:ext cx="8745170" cy="743054"/>
+          </a:xfrm>
+          <a:prstGeom prst="rect">
+            <a:avLst/>
+          </a:prstGeom>
+        </p:spPr>
+      </p:pic>
+      <p:pic>
+        <p:nvPicPr>
+          <p:cNvPr id="2" name="Picture 1">
+            <a:extLst>
+              <a:ext uri="{FF2B5EF4-FFF2-40B4-BE49-F238E27FC236}">
+                <a16:creationId xmlns:a16="http://schemas.microsoft.com/office/drawing/2014/main" id="{2CFDCA9F-ADD0-4C9F-AC9D-98A6A40A8B84}"/>
+              </a:ext>
+            </a:extLst>
+          </p:cNvPr>
+          <p:cNvPicPr>
+            <a:picLocks noChangeAspect="1"/>
+          </p:cNvPicPr>
+          <p:nvPr/>
+        </p:nvPicPr>
+        <p:blipFill>
+          <a:blip r:embed="rId5"/>
+          <a:stretch>
+            <a:fillRect/>
+          </a:stretch>
+        </p:blipFill>
+        <p:spPr>
+          <a:xfrm>
+            <a:off x="0" y="2220686"/>
+            <a:ext cx="12192000" cy="4769636"/>
+          </a:xfrm>
+          <a:prstGeom prst="rect">
+            <a:avLst/>
+          </a:prstGeom>
+        </p:spPr>
+      </p:pic>
     </p:spTree>
     <p:extLst>
       <p:ext uri="{BB962C8B-B14F-4D97-AF65-F5344CB8AC3E}">
-        <p14:creationId xmlns:p14="http://schemas.microsoft.com/office/powerpoint/2010/main" val="1519432988"/>
+        <p14:creationId xmlns:p14="http://schemas.microsoft.com/office/powerpoint/2010/main" val="3756345672"/>
       </p:ext>
     </p:extLst>
   </p:cSld>
@@ -10385,6 +10532,119 @@
           <p:cNvPr id="2" name="Title 1">
             <a:extLst>
               <a:ext uri="{FF2B5EF4-FFF2-40B4-BE49-F238E27FC236}">
+                <a16:creationId xmlns:a16="http://schemas.microsoft.com/office/drawing/2014/main" id="{28631221-65AE-4FCB-877F-05B5674807BA}"/>
+              </a:ext>
+            </a:extLst>
+          </p:cNvPr>
+          <p:cNvSpPr>
+            <a:spLocks noGrp="1"/>
+          </p:cNvSpPr>
+          <p:nvPr>
+            <p:ph type="title"/>
+          </p:nvPr>
+        </p:nvSpPr>
+        <p:spPr/>
+        <p:txBody>
+          <a:bodyPr/>
+          <a:lstStyle/>
+          <a:p>
+            <a:r>
+              <a:rPr lang="en-US" dirty="0"/>
+              <a:t>Architecture</a:t>
+            </a:r>
+          </a:p>
+        </p:txBody>
+      </p:sp>
+      <p:sp>
+        <p:nvSpPr>
+          <p:cNvPr id="3" name="Content Placeholder 2">
+            <a:extLst>
+              <a:ext uri="{FF2B5EF4-FFF2-40B4-BE49-F238E27FC236}">
+                <a16:creationId xmlns:a16="http://schemas.microsoft.com/office/drawing/2014/main" id="{65BB017C-77CB-41BB-9AE7-E9D5C8602A36}"/>
+              </a:ext>
+            </a:extLst>
+          </p:cNvPr>
+          <p:cNvSpPr>
+            <a:spLocks noGrp="1"/>
+          </p:cNvSpPr>
+          <p:nvPr>
+            <p:ph idx="1"/>
+          </p:nvPr>
+        </p:nvSpPr>
+        <p:spPr/>
+        <p:txBody>
+          <a:bodyPr/>
+          <a:lstStyle/>
+          <a:p>
+            <a:r>
+              <a:rPr lang="en-US" dirty="0"/>
+              <a:t>Black-box Unit Testing</a:t>
+            </a:r>
+          </a:p>
+          <a:p>
+            <a:pPr lvl="1"/>
+            <a:r>
+              <a:rPr lang="en-US" dirty="0"/>
+              <a:t>Not too concerned with implementation details</a:t>
+            </a:r>
+          </a:p>
+          <a:p>
+            <a:pPr lvl="1"/>
+            <a:r>
+              <a:rPr lang="en-US" dirty="0"/>
+              <a:t>Not TDD</a:t>
+            </a:r>
+          </a:p>
+          <a:p>
+            <a:r>
+              <a:rPr lang="en-US" dirty="0"/>
+              <a:t>Single Responsibility Principle </a:t>
+            </a:r>
+          </a:p>
+          <a:p>
+            <a:pPr lvl="1"/>
+            <a:r>
+              <a:rPr lang="en-US" dirty="0"/>
+              <a:t>Able to build robots independently</a:t>
+            </a:r>
+          </a:p>
+        </p:txBody>
+      </p:sp>
+    </p:spTree>
+    <p:extLst>
+      <p:ext uri="{BB962C8B-B14F-4D97-AF65-F5344CB8AC3E}">
+        <p14:creationId xmlns:p14="http://schemas.microsoft.com/office/powerpoint/2010/main" val="1519432988"/>
+      </p:ext>
+    </p:extLst>
+  </p:cSld>
+  <p:clrMapOvr>
+    <a:masterClrMapping/>
+  </p:clrMapOvr>
+</p:sld>
+</file>
+
+<file path=ppt/slides/slide24.xml><?xml version="1.0" encoding="utf-8"?>
+<p:sld xmlns:a="http://schemas.openxmlformats.org/drawingml/2006/main" xmlns:r="http://schemas.openxmlformats.org/officeDocument/2006/relationships" xmlns:p="http://schemas.openxmlformats.org/presentationml/2006/main">
+  <p:cSld>
+    <p:spTree>
+      <p:nvGrpSpPr>
+        <p:cNvPr id="1" name=""/>
+        <p:cNvGrpSpPr/>
+        <p:nvPr/>
+      </p:nvGrpSpPr>
+      <p:grpSpPr>
+        <a:xfrm>
+          <a:off x="0" y="0"/>
+          <a:ext cx="0" cy="0"/>
+          <a:chOff x="0" y="0"/>
+          <a:chExt cx="0" cy="0"/>
+        </a:xfrm>
+      </p:grpSpPr>
+      <p:sp>
+        <p:nvSpPr>
+          <p:cNvPr id="2" name="Title 1">
+            <a:extLst>
+              <a:ext uri="{FF2B5EF4-FFF2-40B4-BE49-F238E27FC236}">
                 <a16:creationId xmlns:a16="http://schemas.microsoft.com/office/drawing/2014/main" id="{B4520493-19AE-4B17-AF6E-9F09A03539AC}"/>
               </a:ext>
             </a:extLst>
@@ -10449,7 +10709,7 @@
 </p:sld>
 </file>
 
-<file path=ppt/slides/slide24.xml><?xml version="1.0" encoding="utf-8"?>
+<file path=ppt/slides/slide25.xml><?xml version="1.0" encoding="utf-8"?>
 <p:sld xmlns:a="http://schemas.openxmlformats.org/drawingml/2006/main" xmlns:r="http://schemas.openxmlformats.org/officeDocument/2006/relationships" xmlns:p="http://schemas.openxmlformats.org/presentationml/2006/main">
   <p:cSld>
     <p:bg>
@@ -10981,7 +11241,7 @@
 </p:sld>
 </file>
 
-<file path=ppt/slides/slide25.xml><?xml version="1.0" encoding="utf-8"?>
+<file path=ppt/slides/slide26.xml><?xml version="1.0" encoding="utf-8"?>
 <p:sld xmlns:a="http://schemas.openxmlformats.org/drawingml/2006/main" xmlns:r="http://schemas.openxmlformats.org/officeDocument/2006/relationships" xmlns:p="http://schemas.openxmlformats.org/presentationml/2006/main">
   <p:cSld>
     <p:bg>
@@ -11513,98 +11773,6 @@
 </p:sld>
 </file>
 
-<file path=ppt/slides/slide26.xml><?xml version="1.0" encoding="utf-8"?>
-<p:sld xmlns:a="http://schemas.openxmlformats.org/drawingml/2006/main" xmlns:r="http://schemas.openxmlformats.org/officeDocument/2006/relationships" xmlns:p="http://schemas.openxmlformats.org/presentationml/2006/main">
-  <p:cSld>
-    <p:spTree>
-      <p:nvGrpSpPr>
-        <p:cNvPr id="1" name=""/>
-        <p:cNvGrpSpPr/>
-        <p:nvPr/>
-      </p:nvGrpSpPr>
-      <p:grpSpPr>
-        <a:xfrm>
-          <a:off x="0" y="0"/>
-          <a:ext cx="0" cy="0"/>
-          <a:chOff x="0" y="0"/>
-          <a:chExt cx="0" cy="0"/>
-        </a:xfrm>
-      </p:grpSpPr>
-      <p:sp>
-        <p:nvSpPr>
-          <p:cNvPr id="2" name="Title 1">
-            <a:extLst>
-              <a:ext uri="{FF2B5EF4-FFF2-40B4-BE49-F238E27FC236}">
-                <a16:creationId xmlns:a16="http://schemas.microsoft.com/office/drawing/2014/main" id="{4EA58AA8-D522-4D71-928F-3AEFDAF9E437}"/>
-              </a:ext>
-            </a:extLst>
-          </p:cNvPr>
-          <p:cNvSpPr>
-            <a:spLocks noGrp="1"/>
-          </p:cNvSpPr>
-          <p:nvPr>
-            <p:ph type="title"/>
-          </p:nvPr>
-        </p:nvSpPr>
-        <p:spPr/>
-        <p:txBody>
-          <a:bodyPr/>
-          <a:lstStyle/>
-          <a:p>
-            <a:r>
-              <a:rPr lang="en-US" dirty="0"/>
-              <a:t>Sufficient Unit Tests</a:t>
-            </a:r>
-          </a:p>
-        </p:txBody>
-      </p:sp>
-      <p:sp>
-        <p:nvSpPr>
-          <p:cNvPr id="3" name="Content Placeholder 2">
-            <a:extLst>
-              <a:ext uri="{FF2B5EF4-FFF2-40B4-BE49-F238E27FC236}">
-                <a16:creationId xmlns:a16="http://schemas.microsoft.com/office/drawing/2014/main" id="{D29D6201-9DF0-4008-9F3A-8A980EA4EF0F}"/>
-              </a:ext>
-            </a:extLst>
-          </p:cNvPr>
-          <p:cNvSpPr>
-            <a:spLocks noGrp="1"/>
-          </p:cNvSpPr>
-          <p:nvPr>
-            <p:ph idx="1"/>
-          </p:nvPr>
-        </p:nvSpPr>
-        <p:spPr/>
-        <p:txBody>
-          <a:bodyPr/>
-          <a:lstStyle/>
-          <a:p>
-            <a:r>
-              <a:rPr lang="en-US" dirty="0"/>
-              <a:t>Peer Review</a:t>
-            </a:r>
-          </a:p>
-          <a:p>
-            <a:r>
-              <a:rPr lang="en-US" dirty="0"/>
-              <a:t>100% Code Coverage != No Bugs</a:t>
-            </a:r>
-          </a:p>
-        </p:txBody>
-      </p:sp>
-    </p:spTree>
-    <p:extLst>
-      <p:ext uri="{BB962C8B-B14F-4D97-AF65-F5344CB8AC3E}">
-        <p14:creationId xmlns:p14="http://schemas.microsoft.com/office/powerpoint/2010/main" val="1411287795"/>
-      </p:ext>
-    </p:extLst>
-  </p:cSld>
-  <p:clrMapOvr>
-    <a:masterClrMapping/>
-  </p:clrMapOvr>
-</p:sld>
-</file>
-
 <file path=ppt/slides/slide27.xml><?xml version="1.0" encoding="utf-8"?>
 <p:sld xmlns:a="http://schemas.openxmlformats.org/drawingml/2006/main" xmlns:r="http://schemas.openxmlformats.org/officeDocument/2006/relationships" xmlns:p="http://schemas.openxmlformats.org/presentationml/2006/main">
   <p:cSld>
@@ -11627,7 +11795,7 @@
           <p:cNvPr id="2" name="Title 1">
             <a:extLst>
               <a:ext uri="{FF2B5EF4-FFF2-40B4-BE49-F238E27FC236}">
-                <a16:creationId xmlns:a16="http://schemas.microsoft.com/office/drawing/2014/main" id="{CDBC22FF-8FC3-4211-9D07-19C75006B4B3}"/>
+                <a16:creationId xmlns:a16="http://schemas.microsoft.com/office/drawing/2014/main" id="{4EA58AA8-D522-4D71-928F-3AEFDAF9E437}"/>
               </a:ext>
             </a:extLst>
           </p:cNvPr>
@@ -11645,7 +11813,7 @@
           <a:p>
             <a:r>
               <a:rPr lang="en-US" dirty="0"/>
-              <a:t>Demo Changing Implementation Details</a:t>
+              <a:t>Sufficient Unit Tests</a:t>
             </a:r>
           </a:p>
         </p:txBody>
@@ -11655,7 +11823,7 @@
           <p:cNvPr id="3" name="Content Placeholder 2">
             <a:extLst>
               <a:ext uri="{FF2B5EF4-FFF2-40B4-BE49-F238E27FC236}">
-                <a16:creationId xmlns:a16="http://schemas.microsoft.com/office/drawing/2014/main" id="{E0543006-202F-4D7B-B871-43D016C8C375}"/>
+                <a16:creationId xmlns:a16="http://schemas.microsoft.com/office/drawing/2014/main" id="{D29D6201-9DF0-4008-9F3A-8A980EA4EF0F}"/>
               </a:ext>
             </a:extLst>
           </p:cNvPr>
@@ -11673,21 +11841,13 @@
           <a:p>
             <a:r>
               <a:rPr lang="en-US" dirty="0"/>
-              <a:t>bool </a:t>
-            </a:r>
-            <a:r>
-              <a:rPr lang="en-US" dirty="0" err="1"/>
-              <a:t>HasAnyColor</a:t>
-            </a:r>
+              <a:t>Peer Review</a:t>
+            </a:r>
+          </a:p>
+          <a:p>
             <a:r>
               <a:rPr lang="en-US" dirty="0"/>
-              <a:t>(this Bitmap bitmap)</a:t>
-            </a:r>
-          </a:p>
-          <a:p>
-            <a:r>
-              <a:rPr lang="en-US" dirty="0"/>
-              <a:t>Bitmap Crop(this Bitmap bitmap)</a:t>
+              <a:t>100% Code Coverage != No Bugs</a:t>
             </a:r>
           </a:p>
         </p:txBody>
@@ -11695,7 +11855,7 @@
     </p:spTree>
     <p:extLst>
       <p:ext uri="{BB962C8B-B14F-4D97-AF65-F5344CB8AC3E}">
-        <p14:creationId xmlns:p14="http://schemas.microsoft.com/office/powerpoint/2010/main" val="1750464450"/>
+        <p14:creationId xmlns:p14="http://schemas.microsoft.com/office/powerpoint/2010/main" val="1411287795"/>
       </p:ext>
     </p:extLst>
   </p:cSld>
@@ -11727,7 +11887,7 @@
           <p:cNvPr id="2" name="Title 1">
             <a:extLst>
               <a:ext uri="{FF2B5EF4-FFF2-40B4-BE49-F238E27FC236}">
-                <a16:creationId xmlns:a16="http://schemas.microsoft.com/office/drawing/2014/main" id="{A2F2EA33-FB2E-498F-9765-F5F0E1E99767}"/>
+                <a16:creationId xmlns:a16="http://schemas.microsoft.com/office/drawing/2014/main" id="{CDBC22FF-8FC3-4211-9D07-19C75006B4B3}"/>
               </a:ext>
             </a:extLst>
           </p:cNvPr>
@@ -11745,7 +11905,7 @@
           <a:p>
             <a:r>
               <a:rPr lang="en-US" dirty="0"/>
-              <a:t>Benefits</a:t>
+              <a:t>Demo Changing Implementation Details</a:t>
             </a:r>
           </a:p>
         </p:txBody>
@@ -11755,7 +11915,7 @@
           <p:cNvPr id="3" name="Content Placeholder 2">
             <a:extLst>
               <a:ext uri="{FF2B5EF4-FFF2-40B4-BE49-F238E27FC236}">
-                <a16:creationId xmlns:a16="http://schemas.microsoft.com/office/drawing/2014/main" id="{8FCCB655-55B4-4E46-841D-DD000EF0F862}"/>
+                <a16:creationId xmlns:a16="http://schemas.microsoft.com/office/drawing/2014/main" id="{E0543006-202F-4D7B-B871-43D016C8C375}"/>
               </a:ext>
             </a:extLst>
           </p:cNvPr>
@@ -11773,13 +11933,21 @@
           <a:p>
             <a:r>
               <a:rPr lang="en-US" dirty="0"/>
-              <a:t>Confidence to make changes</a:t>
-            </a:r>
-          </a:p>
-          <a:p>
+              <a:t>bool </a:t>
+            </a:r>
+            <a:r>
+              <a:rPr lang="en-US" dirty="0" err="1"/>
+              <a:t>HasAnyColor</a:t>
+            </a:r>
             <a:r>
               <a:rPr lang="en-US" dirty="0"/>
-              <a:t>Provides examples</a:t>
+              <a:t>(this Bitmap bitmap)</a:t>
+            </a:r>
+          </a:p>
+          <a:p>
+            <a:r>
+              <a:rPr lang="en-US" dirty="0"/>
+              <a:t>Bitmap Crop(this Bitmap bitmap)</a:t>
             </a:r>
           </a:p>
         </p:txBody>
@@ -11787,7 +11955,7 @@
     </p:spTree>
     <p:extLst>
       <p:ext uri="{BB962C8B-B14F-4D97-AF65-F5344CB8AC3E}">
-        <p14:creationId xmlns:p14="http://schemas.microsoft.com/office/powerpoint/2010/main" val="2296562770"/>
+        <p14:creationId xmlns:p14="http://schemas.microsoft.com/office/powerpoint/2010/main" val="1750464450"/>
       </p:ext>
     </p:extLst>
   </p:cSld>
@@ -11819,7 +11987,7 @@
           <p:cNvPr id="2" name="Title 1">
             <a:extLst>
               <a:ext uri="{FF2B5EF4-FFF2-40B4-BE49-F238E27FC236}">
-                <a16:creationId xmlns:a16="http://schemas.microsoft.com/office/drawing/2014/main" id="{EB23F646-10DC-425F-9F2B-A8BC95E29000}"/>
+                <a16:creationId xmlns:a16="http://schemas.microsoft.com/office/drawing/2014/main" id="{A2F2EA33-FB2E-498F-9765-F5F0E1E99767}"/>
               </a:ext>
             </a:extLst>
           </p:cNvPr>
@@ -11830,19 +11998,14 @@
             <p:ph type="title"/>
           </p:nvPr>
         </p:nvSpPr>
-        <p:spPr>
-          <a:xfrm>
-            <a:off x="810000" y="447188"/>
-            <a:ext cx="10571998" cy="970450"/>
-          </a:xfrm>
-        </p:spPr>
+        <p:spPr/>
         <p:txBody>
           <a:bodyPr/>
           <a:lstStyle/>
           <a:p>
             <a:r>
               <a:rPr lang="en-US" dirty="0"/>
-              <a:t>Recap</a:t>
+              <a:t>Benefits</a:t>
             </a:r>
           </a:p>
         </p:txBody>
@@ -11852,7 +12015,7 @@
           <p:cNvPr id="3" name="Content Placeholder 2">
             <a:extLst>
               <a:ext uri="{FF2B5EF4-FFF2-40B4-BE49-F238E27FC236}">
-                <a16:creationId xmlns:a16="http://schemas.microsoft.com/office/drawing/2014/main" id="{BC6BC042-FDFA-4483-BA60-6F7FBA1777CF}"/>
+                <a16:creationId xmlns:a16="http://schemas.microsoft.com/office/drawing/2014/main" id="{8FCCB655-55B4-4E46-841D-DD000EF0F862}"/>
               </a:ext>
             </a:extLst>
           </p:cNvPr>
@@ -11870,39 +12033,21 @@
           <a:p>
             <a:r>
               <a:rPr lang="en-US" dirty="0"/>
-              <a:t>Triple A’s</a:t>
+              <a:t>Confidence to make changes</a:t>
             </a:r>
           </a:p>
           <a:p>
             <a:r>
               <a:rPr lang="en-US" dirty="0"/>
-              <a:t>Code to Interfaces &amp; Inversion of Control</a:t>
-            </a:r>
-          </a:p>
-          <a:p>
-            <a:r>
-              <a:rPr lang="en-US" dirty="0"/>
-              <a:t>Single Responsibility Principle</a:t>
-            </a:r>
-          </a:p>
-          <a:p>
-            <a:r>
-              <a:rPr lang="en-US" dirty="0"/>
-              <a:t>Confidence to make changes</a:t>
-            </a:r>
-          </a:p>
-          <a:p>
-            <a:endParaRPr lang="en-US" dirty="0"/>
-          </a:p>
-          <a:p>
-            <a:endParaRPr lang="en-US" dirty="0"/>
+              <a:t>Provides examples</a:t>
+            </a:r>
           </a:p>
         </p:txBody>
       </p:sp>
     </p:spTree>
     <p:extLst>
       <p:ext uri="{BB962C8B-B14F-4D97-AF65-F5344CB8AC3E}">
-        <p14:creationId xmlns:p14="http://schemas.microsoft.com/office/powerpoint/2010/main" val="3100684324"/>
+        <p14:creationId xmlns:p14="http://schemas.microsoft.com/office/powerpoint/2010/main" val="2296562770"/>
       </p:ext>
     </p:extLst>
   </p:cSld>
@@ -12326,16 +12471,6 @@
                 </a:solidFill>
               </a14:hiddenFill>
             </a:ext>
-            <a:ext uri="{91240B29-F687-4F45-9708-019B960494DF}">
-              <a14:hiddenLine xmlns:a14="http://schemas.microsoft.com/office/drawing/2010/main" w="9525">
-                <a:solidFill>
-                  <a:srgbClr val="000000"/>
-                </a:solidFill>
-                <a:miter lim="800000"/>
-                <a:headEnd/>
-                <a:tailEnd/>
-              </a14:hiddenLine>
-            </a:ext>
           </a:extLst>
         </p:spPr>
       </p:pic>
@@ -12353,6 +12488,121 @@
 </file>
 
 <file path=ppt/slides/slide30.xml><?xml version="1.0" encoding="utf-8"?>
+<p:sld xmlns:a="http://schemas.openxmlformats.org/drawingml/2006/main" xmlns:r="http://schemas.openxmlformats.org/officeDocument/2006/relationships" xmlns:p="http://schemas.openxmlformats.org/presentationml/2006/main">
+  <p:cSld>
+    <p:spTree>
+      <p:nvGrpSpPr>
+        <p:cNvPr id="1" name=""/>
+        <p:cNvGrpSpPr/>
+        <p:nvPr/>
+      </p:nvGrpSpPr>
+      <p:grpSpPr>
+        <a:xfrm>
+          <a:off x="0" y="0"/>
+          <a:ext cx="0" cy="0"/>
+          <a:chOff x="0" y="0"/>
+          <a:chExt cx="0" cy="0"/>
+        </a:xfrm>
+      </p:grpSpPr>
+      <p:sp>
+        <p:nvSpPr>
+          <p:cNvPr id="2" name="Title 1">
+            <a:extLst>
+              <a:ext uri="{FF2B5EF4-FFF2-40B4-BE49-F238E27FC236}">
+                <a16:creationId xmlns:a16="http://schemas.microsoft.com/office/drawing/2014/main" id="{EB23F646-10DC-425F-9F2B-A8BC95E29000}"/>
+              </a:ext>
+            </a:extLst>
+          </p:cNvPr>
+          <p:cNvSpPr>
+            <a:spLocks noGrp="1"/>
+          </p:cNvSpPr>
+          <p:nvPr>
+            <p:ph type="title"/>
+          </p:nvPr>
+        </p:nvSpPr>
+        <p:spPr>
+          <a:xfrm>
+            <a:off x="810000" y="447188"/>
+            <a:ext cx="10571998" cy="970450"/>
+          </a:xfrm>
+        </p:spPr>
+        <p:txBody>
+          <a:bodyPr/>
+          <a:lstStyle/>
+          <a:p>
+            <a:r>
+              <a:rPr lang="en-US" dirty="0"/>
+              <a:t>Recap</a:t>
+            </a:r>
+          </a:p>
+        </p:txBody>
+      </p:sp>
+      <p:sp>
+        <p:nvSpPr>
+          <p:cNvPr id="3" name="Content Placeholder 2">
+            <a:extLst>
+              <a:ext uri="{FF2B5EF4-FFF2-40B4-BE49-F238E27FC236}">
+                <a16:creationId xmlns:a16="http://schemas.microsoft.com/office/drawing/2014/main" id="{BC6BC042-FDFA-4483-BA60-6F7FBA1777CF}"/>
+              </a:ext>
+            </a:extLst>
+          </p:cNvPr>
+          <p:cNvSpPr>
+            <a:spLocks noGrp="1"/>
+          </p:cNvSpPr>
+          <p:nvPr>
+            <p:ph idx="1"/>
+          </p:nvPr>
+        </p:nvSpPr>
+        <p:spPr/>
+        <p:txBody>
+          <a:bodyPr/>
+          <a:lstStyle/>
+          <a:p>
+            <a:r>
+              <a:rPr lang="en-US" dirty="0"/>
+              <a:t>Triple A’s</a:t>
+            </a:r>
+          </a:p>
+          <a:p>
+            <a:r>
+              <a:rPr lang="en-US" dirty="0"/>
+              <a:t>Code to Interfaces &amp; Inversion of Control</a:t>
+            </a:r>
+          </a:p>
+          <a:p>
+            <a:r>
+              <a:rPr lang="en-US" dirty="0"/>
+              <a:t>Single Responsibility Principle</a:t>
+            </a:r>
+          </a:p>
+          <a:p>
+            <a:r>
+              <a:rPr lang="en-US" dirty="0"/>
+              <a:t>Confidence to make changes</a:t>
+            </a:r>
+          </a:p>
+          <a:p>
+            <a:endParaRPr lang="en-US" dirty="0"/>
+          </a:p>
+          <a:p>
+            <a:endParaRPr lang="en-US" dirty="0"/>
+          </a:p>
+        </p:txBody>
+      </p:sp>
+    </p:spTree>
+    <p:extLst>
+      <p:ext uri="{BB962C8B-B14F-4D97-AF65-F5344CB8AC3E}">
+        <p14:creationId xmlns:p14="http://schemas.microsoft.com/office/powerpoint/2010/main" val="3100684324"/>
+      </p:ext>
+    </p:extLst>
+  </p:cSld>
+  <p:clrMapOvr>
+    <a:masterClrMapping/>
+  </p:clrMapOvr>
+</p:sld>
+</file>
+
+<file path=ppt/slides/slide31.xml><?xml version="1.0" encoding="utf-8"?>
 <p:sld xmlns:a="http://schemas.openxmlformats.org/drawingml/2006/main" xmlns:r="http://schemas.openxmlformats.org/officeDocument/2006/relationships" xmlns:p="http://schemas.openxmlformats.org/presentationml/2006/main">
   <p:cSld>
     <p:spTree>

--- a/Presentation.pptx
+++ b/Presentation.pptx
@@ -5,19 +5,19 @@
     <p:sldMasterId id="2147483648" r:id="rId1"/>
   </p:sldMasterIdLst>
   <p:notesMasterIdLst>
-    <p:notesMasterId r:id="rId33"/>
+    <p:notesMasterId r:id="rId34"/>
   </p:notesMasterIdLst>
   <p:sldIdLst>
     <p:sldId id="256" r:id="rId2"/>
     <p:sldId id="266" r:id="rId3"/>
     <p:sldId id="267" r:id="rId4"/>
     <p:sldId id="258" r:id="rId5"/>
-    <p:sldId id="259" r:id="rId6"/>
-    <p:sldId id="260" r:id="rId7"/>
-    <p:sldId id="261" r:id="rId8"/>
-    <p:sldId id="262" r:id="rId9"/>
-    <p:sldId id="263" r:id="rId10"/>
-    <p:sldId id="281" r:id="rId11"/>
+    <p:sldId id="260" r:id="rId6"/>
+    <p:sldId id="261" r:id="rId7"/>
+    <p:sldId id="262" r:id="rId8"/>
+    <p:sldId id="263" r:id="rId9"/>
+    <p:sldId id="281" r:id="rId10"/>
+    <p:sldId id="259" r:id="rId11"/>
     <p:sldId id="264" r:id="rId12"/>
     <p:sldId id="265" r:id="rId13"/>
     <p:sldId id="268" r:id="rId14"/>
@@ -37,8 +37,9 @@
     <p:sldId id="284" r:id="rId28"/>
     <p:sldId id="285" r:id="rId29"/>
     <p:sldId id="286" r:id="rId30"/>
-    <p:sldId id="283" r:id="rId31"/>
-    <p:sldId id="280" r:id="rId32"/>
+    <p:sldId id="288" r:id="rId31"/>
+    <p:sldId id="283" r:id="rId32"/>
+    <p:sldId id="280" r:id="rId33"/>
   </p:sldIdLst>
   <p:sldSz cx="12192000" cy="6858000"/>
   <p:notesSz cx="6858000" cy="9144000"/>
@@ -625,6 +626,29 @@
           <a:bodyPr/>
           <a:lstStyle/>
           <a:p>
+            <a:pPr marL="0" marR="0" lvl="0" indent="0" algn="l" defTabSz="914400" rtl="0" eaLnBrk="1" fontAlgn="auto" latinLnBrk="0" hangingPunct="1">
+              <a:lnSpc>
+                <a:spcPct val="100000"/>
+              </a:lnSpc>
+              <a:spcBef>
+                <a:spcPts val="0"/>
+              </a:spcBef>
+              <a:spcAft>
+                <a:spcPts val="0"/>
+              </a:spcAft>
+              <a:buClrTx/>
+              <a:buSzTx/>
+              <a:buFontTx/>
+              <a:buNone/>
+              <a:tabLst/>
+              <a:defRPr/>
+            </a:pPr>
+            <a:r>
+              <a:rPr lang="en-US" dirty="0"/>
+              <a:t>Triple A’s</a:t>
+            </a:r>
+          </a:p>
+          <a:p>
             <a:endParaRPr lang="en-US" dirty="0"/>
           </a:p>
         </p:txBody>
@@ -1326,7 +1350,10 @@
           <a:bodyPr/>
           <a:lstStyle/>
           <a:p>
-            <a:endParaRPr lang="en-US" dirty="0"/>
+            <a:r>
+              <a:rPr lang="en-US" dirty="0"/>
+              <a:t>Triple A’s</a:t>
+            </a:r>
           </a:p>
         </p:txBody>
       </p:sp>
@@ -1461,7 +1488,7 @@
           <a:effectLst/>
           <a:extLst>
             <a:ext uri="{91240B29-F687-4f45-9708-019B960494DF}">
-              <a14:hiddenLine xmlns:a14="http://schemas.microsoft.com/office/drawing/2010/main" xmlns="" w="9525">
+              <a14:hiddenLine xmlns="" xmlns:a14="http://schemas.microsoft.com/office/drawing/2010/main" w="9525">
                 <a:solidFill>
                   <a:srgbClr val="000000"/>
                 </a:solidFill>
@@ -2971,7 +2998,7 @@
           <a:ln/>
           <a:extLst>
             <a:ext uri="{91240B29-F687-4f45-9708-019B960494DF}">
-              <a14:hiddenLine xmlns:a14="http://schemas.microsoft.com/office/drawing/2010/main" xmlns="" w="9525">
+              <a14:hiddenLine xmlns="" xmlns:a14="http://schemas.microsoft.com/office/drawing/2010/main" w="9525">
                 <a:solidFill>
                   <a:srgbClr val="000000"/>
                 </a:solidFill>
@@ -3243,7 +3270,7 @@
           <a:ln/>
           <a:extLst>
             <a:ext uri="{91240B29-F687-4f45-9708-019B960494DF}">
-              <a14:hiddenLine xmlns:a14="http://schemas.microsoft.com/office/drawing/2010/main" xmlns="" w="9525">
+              <a14:hiddenLine xmlns="" xmlns:a14="http://schemas.microsoft.com/office/drawing/2010/main" w="9525">
                 <a:solidFill>
                   <a:srgbClr val="000000"/>
                 </a:solidFill>
@@ -3523,7 +3550,7 @@
           <a:ln/>
           <a:extLst>
             <a:ext uri="{91240B29-F687-4f45-9708-019B960494DF}">
-              <a14:hiddenLine xmlns:a14="http://schemas.microsoft.com/office/drawing/2010/main" xmlns="" w="9525">
+              <a14:hiddenLine xmlns="" xmlns:a14="http://schemas.microsoft.com/office/drawing/2010/main" w="9525">
                 <a:solidFill>
                   <a:srgbClr val="000000"/>
                 </a:solidFill>
@@ -4143,7 +4170,7 @@
           <a:ln/>
           <a:extLst>
             <a:ext uri="{91240B29-F687-4f45-9708-019B960494DF}">
-              <a14:hiddenLine xmlns:a14="http://schemas.microsoft.com/office/drawing/2010/main" xmlns="" w="9525">
+              <a14:hiddenLine xmlns="" xmlns:a14="http://schemas.microsoft.com/office/drawing/2010/main" w="9525">
                 <a:solidFill>
                   <a:srgbClr val="000000"/>
                 </a:solidFill>
@@ -4479,7 +4506,7 @@
           <a:ln/>
           <a:extLst>
             <a:ext uri="{91240B29-F687-4f45-9708-019B960494DF}">
-              <a14:hiddenLine xmlns:a14="http://schemas.microsoft.com/office/drawing/2010/main" xmlns="" w="9525">
+              <a14:hiddenLine xmlns="" xmlns:a14="http://schemas.microsoft.com/office/drawing/2010/main" w="9525">
                 <a:solidFill>
                   <a:srgbClr val="000000"/>
                 </a:solidFill>
@@ -4953,7 +4980,7 @@
           <a:ln/>
           <a:extLst>
             <a:ext uri="{91240B29-F687-4f45-9708-019B960494DF}">
-              <a14:hiddenLine xmlns:a14="http://schemas.microsoft.com/office/drawing/2010/main" xmlns="" w="9525">
+              <a14:hiddenLine xmlns="" xmlns:a14="http://schemas.microsoft.com/office/drawing/2010/main" w="9525">
                 <a:solidFill>
                   <a:srgbClr val="000000"/>
                 </a:solidFill>
@@ -5376,7 +5403,7 @@
           <a:ln/>
           <a:extLst>
             <a:ext uri="{91240B29-F687-4f45-9708-019B960494DF}">
-              <a14:hiddenLine xmlns:a14="http://schemas.microsoft.com/office/drawing/2010/main" xmlns="" w="9525">
+              <a14:hiddenLine xmlns="" xmlns:a14="http://schemas.microsoft.com/office/drawing/2010/main" w="9525">
                 <a:solidFill>
                   <a:srgbClr val="000000"/>
                 </a:solidFill>
@@ -6699,14 +6726,6 @@
 <file path=ppt/slides/slide10.xml><?xml version="1.0" encoding="utf-8"?>
 <p:sld xmlns:a="http://schemas.openxmlformats.org/drawingml/2006/main" xmlns:r="http://schemas.openxmlformats.org/officeDocument/2006/relationships" xmlns:p="http://schemas.openxmlformats.org/presentationml/2006/main">
   <p:cSld>
-    <p:bg>
-      <p:bgPr>
-        <a:solidFill>
-          <a:schemeClr val="bg1"/>
-        </a:solidFill>
-        <a:effectLst/>
-      </p:bgPr>
-    </p:bg>
     <p:spTree>
       <p:nvGrpSpPr>
         <p:cNvPr id="1" name=""/>
@@ -6723,479 +6742,102 @@
       </p:grpSpPr>
       <p:sp>
         <p:nvSpPr>
-          <p:cNvPr id="10" name="Freeform 6">
+          <p:cNvPr id="2" name="Title 1">
             <a:extLst>
               <a:ext uri="{FF2B5EF4-FFF2-40B4-BE49-F238E27FC236}">
-                <a16:creationId xmlns:a16="http://schemas.microsoft.com/office/drawing/2014/main" id="{133F8CB7-795C-4272-9073-64D8CF97F220}"/>
-              </a:ext>
-              <a:ext uri="{C183D7F6-B498-43B3-948B-1728B52AA6E4}">
-                <adec:decorative xmlns:adec="http://schemas.microsoft.com/office/drawing/2017/decorative" val="1"/>
+                <a16:creationId xmlns:a16="http://schemas.microsoft.com/office/drawing/2014/main" id="{4C7F7D11-EFF7-4941-BCFB-99F6D939FAE4}"/>
               </a:ext>
             </a:extLst>
           </p:cNvPr>
           <p:cNvSpPr>
-            <a:spLocks noGrp="1" noRot="1" noChangeAspect="1" noMove="1" noResize="1" noEditPoints="1" noAdjustHandles="1" noChangeArrowheads="1" noChangeShapeType="1" noTextEdit="1"/>
-          </p:cNvSpPr>
-          <p:nvPr>
-            <p:extLst>
-              <p:ext uri="{386F3935-93C4-4BCD-93E2-E3B085C9AB24}">
-                <p16:designElem xmlns:p16="http://schemas.microsoft.com/office/powerpoint/2015/main" val="1"/>
-              </p:ext>
-            </p:extLst>
-          </p:nvPr>
-        </p:nvSpPr>
-        <p:spPr bwMode="auto">
-          <a:xfrm>
-            <a:off x="0" y="-3175"/>
-            <a:ext cx="12192000" cy="5203825"/>
-          </a:xfrm>
-          <a:custGeom>
-            <a:avLst/>
-            <a:gdLst/>
-            <a:ahLst/>
-            <a:cxnLst/>
-            <a:rect l="0" t="0" r="r" b="b"/>
-            <a:pathLst>
-              <a:path w="5760" h="3278">
-                <a:moveTo>
-                  <a:pt x="5760" y="0"/>
-                </a:moveTo>
-                <a:lnTo>
-                  <a:pt x="0" y="0"/>
-                </a:lnTo>
-                <a:lnTo>
-                  <a:pt x="0" y="3090"/>
-                </a:lnTo>
-                <a:lnTo>
-                  <a:pt x="943" y="3090"/>
-                </a:lnTo>
-                <a:lnTo>
-                  <a:pt x="1123" y="3270"/>
-                </a:lnTo>
-                <a:lnTo>
-                  <a:pt x="1123" y="3270"/>
-                </a:lnTo>
-                <a:lnTo>
-                  <a:pt x="1127" y="3272"/>
-                </a:lnTo>
-                <a:lnTo>
-                  <a:pt x="1133" y="3275"/>
-                </a:lnTo>
-                <a:lnTo>
-                  <a:pt x="1139" y="3278"/>
-                </a:lnTo>
-                <a:lnTo>
-                  <a:pt x="1144" y="3278"/>
-                </a:lnTo>
-                <a:lnTo>
-                  <a:pt x="1150" y="3278"/>
-                </a:lnTo>
-                <a:lnTo>
-                  <a:pt x="1155" y="3275"/>
-                </a:lnTo>
-                <a:lnTo>
-                  <a:pt x="1161" y="3272"/>
-                </a:lnTo>
-                <a:lnTo>
-                  <a:pt x="1165" y="3270"/>
-                </a:lnTo>
-                <a:lnTo>
-                  <a:pt x="1345" y="3090"/>
-                </a:lnTo>
-                <a:lnTo>
-                  <a:pt x="5760" y="3090"/>
-                </a:lnTo>
-                <a:lnTo>
-                  <a:pt x="5760" y="0"/>
-                </a:lnTo>
-                <a:close/>
-              </a:path>
-            </a:pathLst>
-          </a:custGeom>
-          <a:ln/>
-          <a:effectLst/>
-          <a:extLst>
-            <a:ext uri="{91240B29-F687-4f45-9708-019B960494DF}">
-              <a14:hiddenLine xmlns="" xmlns:a16="http://schemas.microsoft.com/office/drawing/2014/main" xmlns:p14="http://schemas.microsoft.com/office/powerpoint/2010/main" xmlns:a14="http://schemas.microsoft.com/office/drawing/2010/main" w="9525">
-                <a:solidFill>
-                  <a:srgbClr val="000000"/>
-                </a:solidFill>
-                <a:round/>
-                <a:headEnd/>
-                <a:tailEnd/>
-              </a14:hiddenLine>
-            </a:ext>
-          </a:extLst>
-        </p:spPr>
-        <p:style>
-          <a:lnRef idx="1">
-            <a:schemeClr val="accent1"/>
-          </a:lnRef>
-          <a:fillRef idx="3">
-            <a:schemeClr val="accent1"/>
-          </a:fillRef>
-          <a:effectRef idx="2">
-            <a:schemeClr val="accent1"/>
-          </a:effectRef>
-          <a:fontRef idx="minor">
-            <a:schemeClr val="lt1"/>
-          </a:fontRef>
-        </p:style>
-      </p:sp>
-      <p:sp>
-        <p:nvSpPr>
-          <p:cNvPr id="12" name="Rectangle 11">
+            <a:spLocks noGrp="1"/>
+          </p:cNvSpPr>
+          <p:nvPr>
+            <p:ph type="title"/>
+          </p:nvPr>
+        </p:nvSpPr>
+        <p:spPr/>
+        <p:txBody>
+          <a:bodyPr/>
+          <a:lstStyle/>
+          <a:p>
+            <a:r>
+              <a:rPr lang="en-US" dirty="0"/>
+              <a:t>Tile Robots</a:t>
+            </a:r>
+          </a:p>
+        </p:txBody>
+      </p:sp>
+      <p:sp>
+        <p:nvSpPr>
+          <p:cNvPr id="3" name="Content Placeholder 2">
             <a:extLst>
               <a:ext uri="{FF2B5EF4-FFF2-40B4-BE49-F238E27FC236}">
-                <a16:creationId xmlns:a16="http://schemas.microsoft.com/office/drawing/2014/main" id="{79277119-B941-4A45-9322-FA2BC135DE62}"/>
-              </a:ext>
-              <a:ext uri="{C183D7F6-B498-43B3-948B-1728B52AA6E4}">
-                <adec:decorative xmlns:adec="http://schemas.microsoft.com/office/drawing/2017/decorative" val="1"/>
+                <a16:creationId xmlns:a16="http://schemas.microsoft.com/office/drawing/2014/main" id="{F51D43A0-6C15-40F7-93DC-E2F5ED724864}"/>
               </a:ext>
             </a:extLst>
           </p:cNvPr>
           <p:cNvSpPr>
-            <a:spLocks noGrp="1" noRot="1" noChangeAspect="1" noMove="1" noResize="1" noEditPoints="1" noAdjustHandles="1" noChangeArrowheads="1" noChangeShapeType="1" noTextEdit="1"/>
-          </p:cNvSpPr>
-          <p:nvPr>
-            <p:extLst>
-              <p:ext uri="{386F3935-93C4-4BCD-93E2-E3B085C9AB24}">
-                <p16:designElem xmlns:p16="http://schemas.microsoft.com/office/powerpoint/2015/main" val="1"/>
-              </p:ext>
-            </p:extLst>
-          </p:nvPr>
-        </p:nvSpPr>
-        <p:spPr>
-          <a:xfrm>
-            <a:off x="0" y="0"/>
-            <a:ext cx="12192000" cy="6858000"/>
-          </a:xfrm>
-          <a:prstGeom prst="rect">
-            <a:avLst/>
-          </a:prstGeom>
-          <a:solidFill>
-            <a:schemeClr val="bg1"/>
-          </a:solidFill>
-          <a:ln>
-            <a:noFill/>
-          </a:ln>
-        </p:spPr>
-        <p:style>
-          <a:lnRef idx="2">
-            <a:schemeClr val="accent1">
-              <a:shade val="50000"/>
-            </a:schemeClr>
-          </a:lnRef>
-          <a:fillRef idx="1">
-            <a:schemeClr val="accent1"/>
-          </a:fillRef>
-          <a:effectRef idx="0">
-            <a:schemeClr val="accent1"/>
-          </a:effectRef>
-          <a:fontRef idx="minor">
-            <a:schemeClr val="lt1"/>
-          </a:fontRef>
-        </p:style>
-        <p:txBody>
-          <a:bodyPr rtlCol="0" anchor="ctr"/>
-          <a:lstStyle/>
-          <a:p>
-            <a:pPr algn="ctr"/>
-            <a:endParaRPr lang="en-US"/>
-          </a:p>
-        </p:txBody>
-      </p:sp>
-      <p:sp>
-        <p:nvSpPr>
-          <p:cNvPr id="14" name="Freeform 23">
-            <a:extLst>
-              <a:ext uri="{FF2B5EF4-FFF2-40B4-BE49-F238E27FC236}">
-                <a16:creationId xmlns:a16="http://schemas.microsoft.com/office/drawing/2014/main" id="{DFDB457D-F372-428B-A10D-41080EF9382A}"/>
-              </a:ext>
-              <a:ext uri="{C183D7F6-B498-43B3-948B-1728B52AA6E4}">
-                <adec:decorative xmlns:adec="http://schemas.microsoft.com/office/drawing/2017/decorative" val="1"/>
-              </a:ext>
-            </a:extLst>
-          </p:cNvPr>
-          <p:cNvSpPr>
-            <a:spLocks noGrp="1" noRot="1" noChangeAspect="1" noMove="1" noResize="1" noEditPoints="1" noAdjustHandles="1" noChangeArrowheads="1" noChangeShapeType="1" noTextEdit="1"/>
-          </p:cNvSpPr>
-          <p:nvPr>
-            <p:extLst>
-              <p:ext uri="{386F3935-93C4-4BCD-93E2-E3B085C9AB24}">
-                <p16:designElem xmlns:p16="http://schemas.microsoft.com/office/powerpoint/2015/main" val="1"/>
-              </p:ext>
-            </p:extLst>
-          </p:nvPr>
-        </p:nvSpPr>
-        <p:spPr bwMode="white">
-          <a:xfrm flipH="1">
-            <a:off x="7554995" y="0"/>
-            <a:ext cx="4637005" cy="6858000"/>
-          </a:xfrm>
-          <a:custGeom>
-            <a:avLst/>
-            <a:gdLst>
-              <a:gd name="connsiteX0" fmla="*/ 0 w 4637005"/>
-              <a:gd name="connsiteY0" fmla="*/ 0 h 6858000"/>
-              <a:gd name="connsiteX1" fmla="*/ 4637005 w 4637005"/>
-              <a:gd name="connsiteY1" fmla="*/ 0 h 6858000"/>
-              <a:gd name="connsiteX2" fmla="*/ 4637005 w 4637005"/>
-              <a:gd name="connsiteY2" fmla="*/ 1900238 h 6858000"/>
-              <a:gd name="connsiteX3" fmla="*/ 4266589 w 4637005"/>
-              <a:gd name="connsiteY3" fmla="*/ 2178050 h 6858000"/>
-              <a:gd name="connsiteX4" fmla="*/ 4262355 w 4637005"/>
-              <a:gd name="connsiteY4" fmla="*/ 2184400 h 6858000"/>
-              <a:gd name="connsiteX5" fmla="*/ 4256005 w 4637005"/>
-              <a:gd name="connsiteY5" fmla="*/ 2193925 h 6858000"/>
-              <a:gd name="connsiteX6" fmla="*/ 4249655 w 4637005"/>
-              <a:gd name="connsiteY6" fmla="*/ 2201863 h 6858000"/>
-              <a:gd name="connsiteX7" fmla="*/ 4249655 w 4637005"/>
-              <a:gd name="connsiteY7" fmla="*/ 2211388 h 6858000"/>
-              <a:gd name="connsiteX8" fmla="*/ 4249655 w 4637005"/>
-              <a:gd name="connsiteY8" fmla="*/ 2220913 h 6858000"/>
-              <a:gd name="connsiteX9" fmla="*/ 4256005 w 4637005"/>
-              <a:gd name="connsiteY9" fmla="*/ 2228850 h 6858000"/>
-              <a:gd name="connsiteX10" fmla="*/ 4262355 w 4637005"/>
-              <a:gd name="connsiteY10" fmla="*/ 2238375 h 6858000"/>
-              <a:gd name="connsiteX11" fmla="*/ 4266589 w 4637005"/>
-              <a:gd name="connsiteY11" fmla="*/ 2244725 h 6858000"/>
-              <a:gd name="connsiteX12" fmla="*/ 4637005 w 4637005"/>
-              <a:gd name="connsiteY12" fmla="*/ 2522538 h 6858000"/>
-              <a:gd name="connsiteX13" fmla="*/ 4637005 w 4637005"/>
-              <a:gd name="connsiteY13" fmla="*/ 6858000 h 6858000"/>
-              <a:gd name="connsiteX14" fmla="*/ 0 w 4637005"/>
-              <a:gd name="connsiteY14" fmla="*/ 6858000 h 6858000"/>
-            </a:gdLst>
-            <a:ahLst/>
-            <a:cxnLst>
-              <a:cxn ang="0">
-                <a:pos x="connsiteX0" y="connsiteY0"/>
-              </a:cxn>
-              <a:cxn ang="0">
-                <a:pos x="connsiteX1" y="connsiteY1"/>
-              </a:cxn>
-              <a:cxn ang="0">
-                <a:pos x="connsiteX2" y="connsiteY2"/>
-              </a:cxn>
-              <a:cxn ang="0">
-                <a:pos x="connsiteX3" y="connsiteY3"/>
-              </a:cxn>
-              <a:cxn ang="0">
-                <a:pos x="connsiteX4" y="connsiteY4"/>
-              </a:cxn>
-              <a:cxn ang="0">
-                <a:pos x="connsiteX5" y="connsiteY5"/>
-              </a:cxn>
-              <a:cxn ang="0">
-                <a:pos x="connsiteX6" y="connsiteY6"/>
-              </a:cxn>
-              <a:cxn ang="0">
-                <a:pos x="connsiteX7" y="connsiteY7"/>
-              </a:cxn>
-              <a:cxn ang="0">
-                <a:pos x="connsiteX8" y="connsiteY8"/>
-              </a:cxn>
-              <a:cxn ang="0">
-                <a:pos x="connsiteX9" y="connsiteY9"/>
-              </a:cxn>
-              <a:cxn ang="0">
-                <a:pos x="connsiteX10" y="connsiteY10"/>
-              </a:cxn>
-              <a:cxn ang="0">
-                <a:pos x="connsiteX11" y="connsiteY11"/>
-              </a:cxn>
-              <a:cxn ang="0">
-                <a:pos x="connsiteX12" y="connsiteY12"/>
-              </a:cxn>
-              <a:cxn ang="0">
-                <a:pos x="connsiteX13" y="connsiteY13"/>
-              </a:cxn>
-              <a:cxn ang="0">
-                <a:pos x="connsiteX14" y="connsiteY14"/>
-              </a:cxn>
-            </a:cxnLst>
-            <a:rect l="l" t="t" r="r" b="b"/>
-            <a:pathLst>
-              <a:path w="4637005" h="6858000">
-                <a:moveTo>
-                  <a:pt x="0" y="0"/>
-                </a:moveTo>
-                <a:lnTo>
-                  <a:pt x="4637005" y="0"/>
-                </a:lnTo>
-                <a:lnTo>
-                  <a:pt x="4637005" y="1900238"/>
-                </a:lnTo>
-                <a:lnTo>
-                  <a:pt x="4266589" y="2178050"/>
-                </a:lnTo>
-                <a:lnTo>
-                  <a:pt x="4262355" y="2184400"/>
-                </a:lnTo>
-                <a:lnTo>
-                  <a:pt x="4256005" y="2193925"/>
-                </a:lnTo>
-                <a:lnTo>
-                  <a:pt x="4249655" y="2201863"/>
-                </a:lnTo>
-                <a:lnTo>
-                  <a:pt x="4249655" y="2211388"/>
-                </a:lnTo>
-                <a:lnTo>
-                  <a:pt x="4249655" y="2220913"/>
-                </a:lnTo>
-                <a:lnTo>
-                  <a:pt x="4256005" y="2228850"/>
-                </a:lnTo>
-                <a:lnTo>
-                  <a:pt x="4262355" y="2238375"/>
-                </a:lnTo>
-                <a:lnTo>
-                  <a:pt x="4266589" y="2244725"/>
-                </a:lnTo>
-                <a:lnTo>
-                  <a:pt x="4637005" y="2522538"/>
-                </a:lnTo>
-                <a:lnTo>
-                  <a:pt x="4637005" y="6858000"/>
-                </a:lnTo>
-                <a:lnTo>
-                  <a:pt x="0" y="6858000"/>
-                </a:lnTo>
-                <a:close/>
-              </a:path>
-            </a:pathLst>
-          </a:custGeom>
-          <a:blipFill>
-            <a:blip r:embed="rId2">
-              <a:duotone>
-                <a:schemeClr val="accent1">
-                  <a:tint val="98000"/>
-                  <a:lumMod val="102000"/>
-                </a:schemeClr>
-                <a:schemeClr val="accent1">
-                  <a:shade val="98000"/>
-                  <a:lumMod val="98000"/>
-                </a:schemeClr>
-              </a:duotone>
-            </a:blip>
-            <a:tile tx="0" ty="0" sx="100000" sy="100000" flip="none" algn="tl"/>
-          </a:blipFill>
-          <a:ln>
-            <a:headEnd/>
-            <a:tailEnd/>
-          </a:ln>
-        </p:spPr>
-        <p:style>
-          <a:lnRef idx="1">
-            <a:schemeClr val="accent1"/>
-          </a:lnRef>
-          <a:fillRef idx="3">
-            <a:schemeClr val="accent1"/>
-          </a:fillRef>
-          <a:effectRef idx="2">
-            <a:schemeClr val="accent1"/>
-          </a:effectRef>
-          <a:fontRef idx="minor">
-            <a:schemeClr val="lt1"/>
-          </a:fontRef>
-        </p:style>
-        <p:txBody>
-          <a:bodyPr wrap="square" rtlCol="0" anchor="ctr">
-            <a:noAutofit/>
-          </a:bodyPr>
-          <a:lstStyle/>
-          <a:p>
-            <a:pPr algn="ctr"/>
-            <a:endParaRPr lang="en-US"/>
-          </a:p>
-        </p:txBody>
-      </p:sp>
-      <p:sp>
-        <p:nvSpPr>
-          <p:cNvPr id="2" name="Title 1">
-            <a:extLst>
-              <a:ext uri="{FF2B5EF4-FFF2-40B4-BE49-F238E27FC236}">
-                <a16:creationId xmlns:a16="http://schemas.microsoft.com/office/drawing/2014/main" id="{4400C11E-0102-4FA5-8CCA-1C4452827493}"/>
-              </a:ext>
-            </a:extLst>
-          </p:cNvPr>
-          <p:cNvSpPr>
-            <a:spLocks noGrp="1"/>
-          </p:cNvSpPr>
-          <p:nvPr>
-            <p:ph type="title"/>
-          </p:nvPr>
-        </p:nvSpPr>
-        <p:spPr>
-          <a:xfrm>
-            <a:off x="8134349" y="1819275"/>
-            <a:ext cx="3606137" cy="4222087"/>
-          </a:xfrm>
-        </p:spPr>
-        <p:txBody>
-          <a:bodyPr vert="horz" lIns="91440" tIns="45720" rIns="91440" bIns="45720" rtlCol="0" anchor="t">
-            <a:normAutofit/>
-          </a:bodyPr>
-          <a:lstStyle/>
-          <a:p>
-            <a:r>
-              <a:rPr lang="en-US" sz="4400" dirty="0"/>
-              <a:t>Robot Pipeline</a:t>
-            </a:r>
-          </a:p>
-        </p:txBody>
-      </p:sp>
-      <p:pic>
-        <p:nvPicPr>
-          <p:cNvPr id="5" name="Content Placeholder 4" descr="A close up of a logo&#10;&#10;Description automatically generated">
-            <a:extLst>
-              <a:ext uri="{FF2B5EF4-FFF2-40B4-BE49-F238E27FC236}">
-                <a16:creationId xmlns:a16="http://schemas.microsoft.com/office/drawing/2014/main" id="{2C225E2A-3D09-4AA8-AF5A-38153F50387E}"/>
-              </a:ext>
-            </a:extLst>
-          </p:cNvPr>
-          <p:cNvPicPr>
-            <a:picLocks noGrp="1" noChangeAspect="1"/>
-          </p:cNvPicPr>
+            <a:spLocks noGrp="1"/>
+          </p:cNvSpPr>
           <p:nvPr>
             <p:ph idx="1"/>
           </p:nvPr>
-        </p:nvPicPr>
-        <p:blipFill>
-          <a:blip r:embed="rId3"/>
-          <a:stretch>
-            <a:fillRect/>
-          </a:stretch>
-        </p:blipFill>
-        <p:spPr>
-          <a:xfrm>
-            <a:off x="643467" y="827356"/>
-            <a:ext cx="6268060" cy="5030118"/>
-          </a:xfrm>
-          <a:prstGeom prst="roundRect">
-            <a:avLst>
-              <a:gd name="adj" fmla="val 3876"/>
-            </a:avLst>
-          </a:prstGeom>
-          <a:ln>
-            <a:solidFill>
-              <a:schemeClr val="accent1"/>
-            </a:solidFill>
-          </a:ln>
-          <a:effectLst/>
-        </p:spPr>
-      </p:pic>
+        </p:nvSpPr>
+        <p:spPr/>
+        <p:txBody>
+          <a:bodyPr/>
+          <a:lstStyle/>
+          <a:p>
+            <a:r>
+              <a:rPr lang="en-US" dirty="0"/>
+              <a:t>Layout Scanning Robot</a:t>
+            </a:r>
+          </a:p>
+          <a:p>
+            <a:pPr lvl="1"/>
+            <a:r>
+              <a:rPr lang="en-US" dirty="0"/>
+              <a:t>Extract</a:t>
+            </a:r>
+          </a:p>
+          <a:p>
+            <a:r>
+              <a:rPr lang="en-US" dirty="0"/>
+              <a:t>Tile Cutting Robots</a:t>
+            </a:r>
+          </a:p>
+          <a:p>
+            <a:pPr lvl="1"/>
+            <a:r>
+              <a:rPr lang="en-US" dirty="0"/>
+              <a:t>Transform</a:t>
+            </a:r>
+          </a:p>
+          <a:p>
+            <a:r>
+              <a:rPr lang="en-US" dirty="0"/>
+              <a:t>Tile Laying Robot</a:t>
+            </a:r>
+          </a:p>
+          <a:p>
+            <a:pPr lvl="1"/>
+            <a:r>
+              <a:rPr lang="en-US" dirty="0"/>
+              <a:t>Load</a:t>
+            </a:r>
+          </a:p>
+        </p:txBody>
+      </p:sp>
     </p:spTree>
     <p:extLst>
       <p:ext uri="{BB962C8B-B14F-4D97-AF65-F5344CB8AC3E}">
-        <p14:creationId xmlns:p14="http://schemas.microsoft.com/office/powerpoint/2010/main" val="2750826401"/>
+        <p14:creationId xmlns:p14="http://schemas.microsoft.com/office/powerpoint/2010/main" val="4247830614"/>
       </p:ext>
     </p:extLst>
   </p:cSld>
   <p:clrMapOvr>
-    <a:overrideClrMapping bg1="lt1" tx1="dk1" bg2="lt2" tx2="dk2" accent1="accent1" accent2="accent2" accent3="accent3" accent4="accent4" accent5="accent5" accent6="accent6" hlink="hlink" folHlink="folHlink"/>
+    <a:masterClrMapping/>
   </p:clrMapOvr>
 </p:sld>
 </file>
@@ -7320,7 +6962,7 @@
           <a:effectLst/>
           <a:extLst>
             <a:ext uri="{91240B29-F687-4f45-9708-019B960494DF}">
-              <a14:hiddenLine xmlns="" xmlns:a16="http://schemas.microsoft.com/office/drawing/2014/main" xmlns:p14="http://schemas.microsoft.com/office/powerpoint/2010/main" xmlns:a14="http://schemas.microsoft.com/office/drawing/2010/main" w="9525">
+              <a14:hiddenLine xmlns:a14="http://schemas.microsoft.com/office/drawing/2010/main" xmlns:p14="http://schemas.microsoft.com/office/powerpoint/2010/main" xmlns:a16="http://schemas.microsoft.com/office/drawing/2014/main" xmlns="" w="9525">
                 <a:solidFill>
                   <a:srgbClr val="000000"/>
                 </a:solidFill>
@@ -7947,7 +7589,7 @@
           <a:effectLst/>
           <a:extLst>
             <a:ext uri="{91240B29-F687-4f45-9708-019B960494DF}">
-              <a14:hiddenLine xmlns="" xmlns:a14="http://schemas.microsoft.com/office/drawing/2010/main" xmlns:a16="http://schemas.microsoft.com/office/drawing/2014/main" w="9525">
+              <a14:hiddenLine xmlns:a16="http://schemas.microsoft.com/office/drawing/2014/main" xmlns:a14="http://schemas.microsoft.com/office/drawing/2010/main" xmlns="" w="9525">
                 <a:solidFill>
                   <a:srgbClr val="000000"/>
                 </a:solidFill>
@@ -8270,7 +7912,7 @@
           <a:effectLst/>
           <a:extLst>
             <a:ext uri="{91240B29-F687-4f45-9708-019B960494DF}">
-              <a14:hiddenLine xmlns="" xmlns:a14="http://schemas.microsoft.com/office/drawing/2010/main" xmlns:p14="http://schemas.microsoft.com/office/powerpoint/2010/main" xmlns:a16="http://schemas.microsoft.com/office/drawing/2014/main" w="9525">
+              <a14:hiddenLine xmlns:a16="http://schemas.microsoft.com/office/drawing/2014/main" xmlns:p14="http://schemas.microsoft.com/office/powerpoint/2010/main" xmlns:a14="http://schemas.microsoft.com/office/drawing/2010/main" xmlns="" w="9525">
                 <a:solidFill>
                   <a:srgbClr val="000000"/>
                 </a:solidFill>
@@ -9173,7 +8815,7 @@
           <a:effectLst/>
           <a:extLst>
             <a:ext uri="{91240B29-F687-4f45-9708-019B960494DF}">
-              <a14:hiddenLine xmlns="" xmlns:a16="http://schemas.microsoft.com/office/drawing/2014/main" xmlns:p14="http://schemas.microsoft.com/office/powerpoint/2010/main" xmlns:a14="http://schemas.microsoft.com/office/drawing/2010/main" w="9525">
+              <a14:hiddenLine xmlns:a14="http://schemas.microsoft.com/office/drawing/2010/main" xmlns:p14="http://schemas.microsoft.com/office/powerpoint/2010/main" xmlns:a16="http://schemas.microsoft.com/office/drawing/2014/main" xmlns="" w="9525">
                 <a:solidFill>
                   <a:srgbClr val="000000"/>
                 </a:solidFill>
@@ -9677,7 +9319,7 @@
           <a:effectLst/>
           <a:extLst>
             <a:ext uri="{91240B29-F687-4f45-9708-019B960494DF}">
-              <a14:hiddenLine xmlns="" xmlns:a16="http://schemas.microsoft.com/office/drawing/2014/main" xmlns:p14="http://schemas.microsoft.com/office/powerpoint/2010/main" xmlns:a14="http://schemas.microsoft.com/office/drawing/2010/main" w="9525">
+              <a14:hiddenLine xmlns:a14="http://schemas.microsoft.com/office/drawing/2010/main" xmlns:p14="http://schemas.microsoft.com/office/powerpoint/2010/main" xmlns:a16="http://schemas.microsoft.com/office/drawing/2014/main" xmlns="" w="9525">
                 <a:solidFill>
                   <a:srgbClr val="000000"/>
                 </a:solidFill>
@@ -10829,7 +10471,7 @@
           <a:effectLst/>
           <a:extLst>
             <a:ext uri="{91240B29-F687-4f45-9708-019B960494DF}">
-              <a14:hiddenLine xmlns="" xmlns:a16="http://schemas.microsoft.com/office/drawing/2014/main" xmlns:p14="http://schemas.microsoft.com/office/powerpoint/2010/main" xmlns:a14="http://schemas.microsoft.com/office/drawing/2010/main" w="9525">
+              <a14:hiddenLine xmlns:a14="http://schemas.microsoft.com/office/drawing/2010/main" xmlns:p14="http://schemas.microsoft.com/office/powerpoint/2010/main" xmlns:a16="http://schemas.microsoft.com/office/drawing/2014/main" xmlns="" w="9525">
                 <a:solidFill>
                   <a:srgbClr val="000000"/>
                 </a:solidFill>
@@ -11361,7 +11003,7 @@
           <a:effectLst/>
           <a:extLst>
             <a:ext uri="{91240B29-F687-4f45-9708-019B960494DF}">
-              <a14:hiddenLine xmlns="" xmlns:a16="http://schemas.microsoft.com/office/drawing/2014/main" xmlns:p14="http://schemas.microsoft.com/office/powerpoint/2010/main" xmlns:a14="http://schemas.microsoft.com/office/drawing/2010/main" w="9525">
+              <a14:hiddenLine xmlns:a14="http://schemas.microsoft.com/office/drawing/2010/main" xmlns:p14="http://schemas.microsoft.com/office/powerpoint/2010/main" xmlns:a16="http://schemas.microsoft.com/office/drawing/2014/main" xmlns="" w="9525">
                 <a:solidFill>
                   <a:srgbClr val="000000"/>
                 </a:solidFill>
@@ -12509,7 +12151,7 @@
           <p:cNvPr id="2" name="Title 1">
             <a:extLst>
               <a:ext uri="{FF2B5EF4-FFF2-40B4-BE49-F238E27FC236}">
-                <a16:creationId xmlns:a16="http://schemas.microsoft.com/office/drawing/2014/main" id="{EB23F646-10DC-425F-9F2B-A8BC95E29000}"/>
+                <a16:creationId xmlns:a16="http://schemas.microsoft.com/office/drawing/2014/main" id="{A2F2EA33-FB2E-498F-9765-F5F0E1E99767}"/>
               </a:ext>
             </a:extLst>
           </p:cNvPr>
@@ -12520,19 +12162,14 @@
             <p:ph type="title"/>
           </p:nvPr>
         </p:nvSpPr>
-        <p:spPr>
-          <a:xfrm>
-            <a:off x="810000" y="447188"/>
-            <a:ext cx="10571998" cy="970450"/>
-          </a:xfrm>
-        </p:spPr>
+        <p:spPr/>
         <p:txBody>
           <a:bodyPr/>
           <a:lstStyle/>
           <a:p>
             <a:r>
               <a:rPr lang="en-US" dirty="0"/>
-              <a:t>Recap</a:t>
+              <a:t>Anti-patterns</a:t>
             </a:r>
           </a:p>
         </p:txBody>
@@ -12542,7 +12179,7 @@
           <p:cNvPr id="3" name="Content Placeholder 2">
             <a:extLst>
               <a:ext uri="{FF2B5EF4-FFF2-40B4-BE49-F238E27FC236}">
-                <a16:creationId xmlns:a16="http://schemas.microsoft.com/office/drawing/2014/main" id="{BC6BC042-FDFA-4483-BA60-6F7FBA1777CF}"/>
+                <a16:creationId xmlns:a16="http://schemas.microsoft.com/office/drawing/2014/main" id="{8FCCB655-55B4-4E46-841D-DD000EF0F862}"/>
               </a:ext>
             </a:extLst>
           </p:cNvPr>
@@ -12560,39 +12197,47 @@
           <a:p>
             <a:r>
               <a:rPr lang="en-US" dirty="0"/>
-              <a:t>Triple A’s</a:t>
-            </a:r>
-          </a:p>
-          <a:p>
+              <a:t>Testing Implementation Details</a:t>
+            </a:r>
+          </a:p>
+          <a:p>
+            <a:pPr lvl="1"/>
             <a:r>
               <a:rPr lang="en-US" dirty="0"/>
-              <a:t>Code to Interfaces &amp; Inversion of Control</a:t>
+              <a:t>Was this particular method called</a:t>
             </a:r>
           </a:p>
           <a:p>
             <a:r>
               <a:rPr lang="en-US" dirty="0"/>
-              <a:t>Single Responsibility Principle</a:t>
-            </a:r>
-          </a:p>
-          <a:p>
+              <a:t>Junk test cases</a:t>
+            </a:r>
+          </a:p>
+          <a:p>
+            <a:pPr lvl="1"/>
             <a:r>
               <a:rPr lang="en-US" dirty="0"/>
-              <a:t>Confidence to make changes</a:t>
-            </a:r>
-          </a:p>
-          <a:p>
-            <a:endParaRPr lang="en-US" dirty="0"/>
-          </a:p>
-          <a:p>
-            <a:endParaRPr lang="en-US" dirty="0"/>
+              <a:t>Should pay attention to edge cases</a:t>
+            </a:r>
+          </a:p>
+          <a:p>
+            <a:r>
+              <a:rPr lang="en-US" dirty="0"/>
+              <a:t>Testing non-branching logic</a:t>
+            </a:r>
+          </a:p>
+          <a:p>
+            <a:r>
+              <a:rPr lang="en-US" dirty="0"/>
+              <a:t>Testing external library</a:t>
+            </a:r>
           </a:p>
         </p:txBody>
       </p:sp>
     </p:spTree>
     <p:extLst>
       <p:ext uri="{BB962C8B-B14F-4D97-AF65-F5344CB8AC3E}">
-        <p14:creationId xmlns:p14="http://schemas.microsoft.com/office/powerpoint/2010/main" val="3100684324"/>
+        <p14:creationId xmlns:p14="http://schemas.microsoft.com/office/powerpoint/2010/main" val="3238226802"/>
       </p:ext>
     </p:extLst>
   </p:cSld>
@@ -12624,6 +12269,129 @@
           <p:cNvPr id="2" name="Title 1">
             <a:extLst>
               <a:ext uri="{FF2B5EF4-FFF2-40B4-BE49-F238E27FC236}">
+                <a16:creationId xmlns:a16="http://schemas.microsoft.com/office/drawing/2014/main" id="{EB23F646-10DC-425F-9F2B-A8BC95E29000}"/>
+              </a:ext>
+            </a:extLst>
+          </p:cNvPr>
+          <p:cNvSpPr>
+            <a:spLocks noGrp="1"/>
+          </p:cNvSpPr>
+          <p:nvPr>
+            <p:ph type="title"/>
+          </p:nvPr>
+        </p:nvSpPr>
+        <p:spPr>
+          <a:xfrm>
+            <a:off x="810000" y="447188"/>
+            <a:ext cx="10571998" cy="970450"/>
+          </a:xfrm>
+        </p:spPr>
+        <p:txBody>
+          <a:bodyPr/>
+          <a:lstStyle/>
+          <a:p>
+            <a:r>
+              <a:rPr lang="en-US" dirty="0"/>
+              <a:t>Recap</a:t>
+            </a:r>
+          </a:p>
+        </p:txBody>
+      </p:sp>
+      <p:sp>
+        <p:nvSpPr>
+          <p:cNvPr id="3" name="Content Placeholder 2">
+            <a:extLst>
+              <a:ext uri="{FF2B5EF4-FFF2-40B4-BE49-F238E27FC236}">
+                <a16:creationId xmlns:a16="http://schemas.microsoft.com/office/drawing/2014/main" id="{BC6BC042-FDFA-4483-BA60-6F7FBA1777CF}"/>
+              </a:ext>
+            </a:extLst>
+          </p:cNvPr>
+          <p:cNvSpPr>
+            <a:spLocks noGrp="1"/>
+          </p:cNvSpPr>
+          <p:nvPr>
+            <p:ph idx="1"/>
+          </p:nvPr>
+        </p:nvSpPr>
+        <p:spPr/>
+        <p:txBody>
+          <a:bodyPr/>
+          <a:lstStyle/>
+          <a:p>
+            <a:r>
+              <a:rPr lang="en-US" dirty="0"/>
+              <a:t>Triple A’s</a:t>
+            </a:r>
+          </a:p>
+          <a:p>
+            <a:r>
+              <a:rPr lang="en-US" dirty="0"/>
+              <a:t>Code to Interfaces &amp; Inversion of Control</a:t>
+            </a:r>
+          </a:p>
+          <a:p>
+            <a:r>
+              <a:rPr lang="en-US" dirty="0"/>
+              <a:t>Single Responsibility Principle</a:t>
+            </a:r>
+          </a:p>
+          <a:p>
+            <a:r>
+              <a:rPr lang="en-US" dirty="0"/>
+              <a:t>Confidence to make changes</a:t>
+            </a:r>
+          </a:p>
+          <a:p>
+            <a:endParaRPr lang="en-US" dirty="0"/>
+          </a:p>
+          <a:p>
+            <a:endParaRPr lang="en-US" dirty="0"/>
+          </a:p>
+        </p:txBody>
+      </p:sp>
+    </p:spTree>
+    <p:extLst>
+      <p:ext uri="{BB962C8B-B14F-4D97-AF65-F5344CB8AC3E}">
+        <p14:creationId xmlns:p14="http://schemas.microsoft.com/office/powerpoint/2010/main" val="3100684324"/>
+      </p:ext>
+    </p:extLst>
+  </p:cSld>
+  <p:clrMapOvr>
+    <a:masterClrMapping/>
+  </p:clrMapOvr>
+</p:sld>
+</file>
+
+<file path=ppt/slides/slide32.xml><?xml version="1.0" encoding="utf-8"?>
+<p:sld xmlns:a="http://schemas.openxmlformats.org/drawingml/2006/main" xmlns:r="http://schemas.openxmlformats.org/officeDocument/2006/relationships" xmlns:p="http://schemas.openxmlformats.org/presentationml/2006/main">
+  <p:cSld>
+    <p:bg>
+      <p:bgPr>
+        <a:solidFill>
+          <a:schemeClr val="bg2"/>
+        </a:solidFill>
+        <a:effectLst/>
+      </p:bgPr>
+    </p:bg>
+    <p:spTree>
+      <p:nvGrpSpPr>
+        <p:cNvPr id="1" name=""/>
+        <p:cNvGrpSpPr/>
+        <p:nvPr/>
+      </p:nvGrpSpPr>
+      <p:grpSpPr>
+        <a:xfrm>
+          <a:off x="0" y="0"/>
+          <a:ext cx="0" cy="0"/>
+          <a:chOff x="0" y="0"/>
+          <a:chExt cx="0" cy="0"/>
+        </a:xfrm>
+      </p:grpSpPr>
+      <p:sp>
+        <p:nvSpPr>
+          <p:cNvPr id="2" name="Title 1">
+            <a:extLst>
+              <a:ext uri="{FF2B5EF4-FFF2-40B4-BE49-F238E27FC236}">
                 <a16:creationId xmlns:a16="http://schemas.microsoft.com/office/drawing/2014/main" id="{ED25ACE4-5916-4EE9-A966-F6410F8BEAD1}"/>
               </a:ext>
             </a:extLst>
@@ -12635,15 +12403,23 @@
             <p:ph type="title"/>
           </p:nvPr>
         </p:nvSpPr>
-        <p:spPr/>
-        <p:txBody>
-          <a:bodyPr/>
-          <a:lstStyle/>
-          <a:p>
-            <a:r>
-              <a:rPr lang="en-US" dirty="0"/>
+        <p:spPr>
+          <a:xfrm>
+            <a:off x="810000" y="447188"/>
+            <a:ext cx="10571998" cy="970450"/>
+          </a:xfrm>
+        </p:spPr>
+        <p:txBody>
+          <a:bodyPr>
+            <a:normAutofit/>
+          </a:bodyPr>
+          <a:lstStyle/>
+          <a:p>
+            <a:r>
+              <a:rPr lang="en-US"/>
               <a:t>Kitchen Floor Update</a:t>
             </a:r>
+            <a:endParaRPr lang="en-US" dirty="0"/>
           </a:p>
         </p:txBody>
       </p:sp>
@@ -12663,18 +12439,66 @@
             <p:ph idx="1"/>
           </p:nvPr>
         </p:nvSpPr>
-        <p:spPr/>
-        <p:txBody>
-          <a:bodyPr/>
-          <a:lstStyle/>
-          <a:p>
-            <a:r>
-              <a:rPr lang="en-US" dirty="0"/>
+        <p:spPr>
+          <a:xfrm>
+            <a:off x="818713" y="2413000"/>
+            <a:ext cx="3835583" cy="3632200"/>
+          </a:xfrm>
+        </p:spPr>
+        <p:txBody>
+          <a:bodyPr>
+            <a:normAutofit/>
+          </a:bodyPr>
+          <a:lstStyle/>
+          <a:p>
+            <a:r>
+              <a:rPr lang="en-US" sz="1600"/>
               <a:t>Floor still not done</a:t>
             </a:r>
           </a:p>
-        </p:txBody>
-      </p:sp>
+          <a:p>
+            <a:endParaRPr lang="en-US" sz="1600"/>
+          </a:p>
+        </p:txBody>
+      </p:sp>
+      <p:pic>
+        <p:nvPicPr>
+          <p:cNvPr id="5" name="Picture 4" descr="Two people looking at the camera&#10;&#10;Description automatically generated">
+            <a:extLst>
+              <a:ext uri="{FF2B5EF4-FFF2-40B4-BE49-F238E27FC236}">
+                <a16:creationId xmlns:a16="http://schemas.microsoft.com/office/drawing/2014/main" id="{41FA4244-98C7-4FD6-B0C8-9CE5B6A822A4}"/>
+              </a:ext>
+            </a:extLst>
+          </p:cNvPr>
+          <p:cNvPicPr>
+            <a:picLocks noChangeAspect="1"/>
+          </p:cNvPicPr>
+          <p:nvPr/>
+        </p:nvPicPr>
+        <p:blipFill>
+          <a:blip r:embed="rId2"/>
+          <a:stretch>
+            <a:fillRect/>
+          </a:stretch>
+        </p:blipFill>
+        <p:spPr>
+          <a:xfrm>
+            <a:off x="5932241" y="2413000"/>
+            <a:ext cx="4616568" cy="3716338"/>
+          </a:xfrm>
+          <a:prstGeom prst="roundRect">
+            <a:avLst>
+              <a:gd name="adj" fmla="val 3876"/>
+            </a:avLst>
+          </a:prstGeom>
+          <a:ln>
+            <a:solidFill>
+              <a:schemeClr val="accent1"/>
+            </a:solidFill>
+          </a:ln>
+          <a:effectLst/>
+        </p:spPr>
+      </p:pic>
     </p:spTree>
     <p:extLst>
       <p:ext uri="{BB962C8B-B14F-4D97-AF65-F5344CB8AC3E}">
@@ -12789,125 +12613,6 @@
 <file path=ppt/slides/slide5.xml><?xml version="1.0" encoding="utf-8"?>
 <p:sld xmlns:a="http://schemas.openxmlformats.org/drawingml/2006/main" xmlns:r="http://schemas.openxmlformats.org/officeDocument/2006/relationships" xmlns:p="http://schemas.openxmlformats.org/presentationml/2006/main">
   <p:cSld>
-    <p:spTree>
-      <p:nvGrpSpPr>
-        <p:cNvPr id="1" name=""/>
-        <p:cNvGrpSpPr/>
-        <p:nvPr/>
-      </p:nvGrpSpPr>
-      <p:grpSpPr>
-        <a:xfrm>
-          <a:off x="0" y="0"/>
-          <a:ext cx="0" cy="0"/>
-          <a:chOff x="0" y="0"/>
-          <a:chExt cx="0" cy="0"/>
-        </a:xfrm>
-      </p:grpSpPr>
-      <p:sp>
-        <p:nvSpPr>
-          <p:cNvPr id="2" name="Title 1">
-            <a:extLst>
-              <a:ext uri="{FF2B5EF4-FFF2-40B4-BE49-F238E27FC236}">
-                <a16:creationId xmlns:a16="http://schemas.microsoft.com/office/drawing/2014/main" id="{4C7F7D11-EFF7-4941-BCFB-99F6D939FAE4}"/>
-              </a:ext>
-            </a:extLst>
-          </p:cNvPr>
-          <p:cNvSpPr>
-            <a:spLocks noGrp="1"/>
-          </p:cNvSpPr>
-          <p:nvPr>
-            <p:ph type="title"/>
-          </p:nvPr>
-        </p:nvSpPr>
-        <p:spPr/>
-        <p:txBody>
-          <a:bodyPr/>
-          <a:lstStyle/>
-          <a:p>
-            <a:r>
-              <a:rPr lang="en-US" dirty="0"/>
-              <a:t>Tile Robots</a:t>
-            </a:r>
-          </a:p>
-        </p:txBody>
-      </p:sp>
-      <p:sp>
-        <p:nvSpPr>
-          <p:cNvPr id="3" name="Content Placeholder 2">
-            <a:extLst>
-              <a:ext uri="{FF2B5EF4-FFF2-40B4-BE49-F238E27FC236}">
-                <a16:creationId xmlns:a16="http://schemas.microsoft.com/office/drawing/2014/main" id="{F51D43A0-6C15-40F7-93DC-E2F5ED724864}"/>
-              </a:ext>
-            </a:extLst>
-          </p:cNvPr>
-          <p:cNvSpPr>
-            <a:spLocks noGrp="1"/>
-          </p:cNvSpPr>
-          <p:nvPr>
-            <p:ph idx="1"/>
-          </p:nvPr>
-        </p:nvSpPr>
-        <p:spPr/>
-        <p:txBody>
-          <a:bodyPr/>
-          <a:lstStyle/>
-          <a:p>
-            <a:r>
-              <a:rPr lang="en-US" dirty="0"/>
-              <a:t>Layout Scanning Robot</a:t>
-            </a:r>
-          </a:p>
-          <a:p>
-            <a:pPr lvl="1"/>
-            <a:r>
-              <a:rPr lang="en-US" dirty="0"/>
-              <a:t>Extract</a:t>
-            </a:r>
-          </a:p>
-          <a:p>
-            <a:r>
-              <a:rPr lang="en-US" dirty="0"/>
-              <a:t>Tile Cutting Robots</a:t>
-            </a:r>
-          </a:p>
-          <a:p>
-            <a:pPr lvl="1"/>
-            <a:r>
-              <a:rPr lang="en-US" dirty="0"/>
-              <a:t>Transform</a:t>
-            </a:r>
-          </a:p>
-          <a:p>
-            <a:r>
-              <a:rPr lang="en-US" dirty="0"/>
-              <a:t>Tile Laying Robot</a:t>
-            </a:r>
-          </a:p>
-          <a:p>
-            <a:pPr lvl="1"/>
-            <a:r>
-              <a:rPr lang="en-US" dirty="0"/>
-              <a:t>Load</a:t>
-            </a:r>
-          </a:p>
-        </p:txBody>
-      </p:sp>
-    </p:spTree>
-    <p:extLst>
-      <p:ext uri="{BB962C8B-B14F-4D97-AF65-F5344CB8AC3E}">
-        <p14:creationId xmlns:p14="http://schemas.microsoft.com/office/powerpoint/2010/main" val="800842288"/>
-      </p:ext>
-    </p:extLst>
-  </p:cSld>
-  <p:clrMapOvr>
-    <a:masterClrMapping/>
-  </p:clrMapOvr>
-</p:sld>
-</file>
-
-<file path=ppt/slides/slide6.xml><?xml version="1.0" encoding="utf-8"?>
-<p:sld xmlns:a="http://schemas.openxmlformats.org/drawingml/2006/main" xmlns:r="http://schemas.openxmlformats.org/officeDocument/2006/relationships" xmlns:p="http://schemas.openxmlformats.org/presentationml/2006/main">
-  <p:cSld>
     <p:bg>
       <p:bgPr>
         <a:solidFill>
@@ -13025,7 +12730,7 @@
           <a:effectLst/>
           <a:extLst>
             <a:ext uri="{91240B29-F687-4f45-9708-019B960494DF}">
-              <a14:hiddenLine xmlns="" xmlns:a16="http://schemas.microsoft.com/office/drawing/2014/main" xmlns:p14="http://schemas.microsoft.com/office/powerpoint/2010/main" xmlns:a14="http://schemas.microsoft.com/office/drawing/2010/main" w="9525">
+              <a14:hiddenLine xmlns:a14="http://schemas.microsoft.com/office/drawing/2010/main" xmlns:p14="http://schemas.microsoft.com/office/powerpoint/2010/main" xmlns:a16="http://schemas.microsoft.com/office/drawing/2014/main" xmlns="" w="9525">
                 <a:solidFill>
                   <a:srgbClr val="000000"/>
                 </a:solidFill>
@@ -13409,7 +13114,7 @@
 </p:sld>
 </file>
 
-<file path=ppt/slides/slide7.xml><?xml version="1.0" encoding="utf-8"?>
+<file path=ppt/slides/slide6.xml><?xml version="1.0" encoding="utf-8"?>
 <p:sld xmlns:a="http://schemas.openxmlformats.org/drawingml/2006/main" xmlns:r="http://schemas.openxmlformats.org/officeDocument/2006/relationships" xmlns:p="http://schemas.openxmlformats.org/presentationml/2006/main">
   <p:cSld>
     <p:bg>
@@ -13529,7 +13234,7 @@
           <a:effectLst/>
           <a:extLst>
             <a:ext uri="{91240B29-F687-4f45-9708-019B960494DF}">
-              <a14:hiddenLine xmlns="" xmlns:a16="http://schemas.microsoft.com/office/drawing/2014/main" xmlns:p14="http://schemas.microsoft.com/office/powerpoint/2010/main" xmlns:a14="http://schemas.microsoft.com/office/drawing/2010/main" w="9525">
+              <a14:hiddenLine xmlns:a14="http://schemas.microsoft.com/office/drawing/2010/main" xmlns:p14="http://schemas.microsoft.com/office/powerpoint/2010/main" xmlns:a16="http://schemas.microsoft.com/office/drawing/2014/main" xmlns="" w="9525">
                 <a:solidFill>
                   <a:srgbClr val="000000"/>
                 </a:solidFill>
@@ -13913,7 +13618,7 @@
 </p:sld>
 </file>
 
-<file path=ppt/slides/slide8.xml><?xml version="1.0" encoding="utf-8"?>
+<file path=ppt/slides/slide7.xml><?xml version="1.0" encoding="utf-8"?>
 <p:sld xmlns:a="http://schemas.openxmlformats.org/drawingml/2006/main" xmlns:r="http://schemas.openxmlformats.org/officeDocument/2006/relationships" xmlns:p="http://schemas.openxmlformats.org/presentationml/2006/main">
   <p:cSld>
     <p:bg>
@@ -14033,7 +13738,7 @@
           <a:effectLst/>
           <a:extLst>
             <a:ext uri="{91240B29-F687-4f45-9708-019B960494DF}">
-              <a14:hiddenLine xmlns="" xmlns:a16="http://schemas.microsoft.com/office/drawing/2014/main" xmlns:p14="http://schemas.microsoft.com/office/powerpoint/2010/main" xmlns:a14="http://schemas.microsoft.com/office/drawing/2010/main" w="9525">
+              <a14:hiddenLine xmlns:a14="http://schemas.microsoft.com/office/drawing/2010/main" xmlns:p14="http://schemas.microsoft.com/office/powerpoint/2010/main" xmlns:a16="http://schemas.microsoft.com/office/drawing/2014/main" xmlns="" w="9525">
                 <a:solidFill>
                   <a:srgbClr val="000000"/>
                 </a:solidFill>
@@ -14453,7 +14158,7 @@
 </p:sld>
 </file>
 
-<file path=ppt/slides/slide9.xml><?xml version="1.0" encoding="utf-8"?>
+<file path=ppt/slides/slide8.xml><?xml version="1.0" encoding="utf-8"?>
 <p:sld xmlns:a="http://schemas.openxmlformats.org/drawingml/2006/main" xmlns:r="http://schemas.openxmlformats.org/officeDocument/2006/relationships" xmlns:p="http://schemas.openxmlformats.org/presentationml/2006/main">
   <p:cSld>
     <p:bg>
@@ -14702,6 +14407,510 @@
   </p:cSld>
   <p:clrMapOvr>
     <a:masterClrMapping/>
+  </p:clrMapOvr>
+</p:sld>
+</file>
+
+<file path=ppt/slides/slide9.xml><?xml version="1.0" encoding="utf-8"?>
+<p:sld xmlns:a="http://schemas.openxmlformats.org/drawingml/2006/main" xmlns:r="http://schemas.openxmlformats.org/officeDocument/2006/relationships" xmlns:p="http://schemas.openxmlformats.org/presentationml/2006/main">
+  <p:cSld>
+    <p:bg>
+      <p:bgPr>
+        <a:solidFill>
+          <a:schemeClr val="bg1"/>
+        </a:solidFill>
+        <a:effectLst/>
+      </p:bgPr>
+    </p:bg>
+    <p:spTree>
+      <p:nvGrpSpPr>
+        <p:cNvPr id="1" name=""/>
+        <p:cNvGrpSpPr/>
+        <p:nvPr/>
+      </p:nvGrpSpPr>
+      <p:grpSpPr>
+        <a:xfrm>
+          <a:off x="0" y="0"/>
+          <a:ext cx="0" cy="0"/>
+          <a:chOff x="0" y="0"/>
+          <a:chExt cx="0" cy="0"/>
+        </a:xfrm>
+      </p:grpSpPr>
+      <p:sp>
+        <p:nvSpPr>
+          <p:cNvPr id="10" name="Freeform 6">
+            <a:extLst>
+              <a:ext uri="{FF2B5EF4-FFF2-40B4-BE49-F238E27FC236}">
+                <a16:creationId xmlns:a16="http://schemas.microsoft.com/office/drawing/2014/main" id="{133F8CB7-795C-4272-9073-64D8CF97F220}"/>
+              </a:ext>
+              <a:ext uri="{C183D7F6-B498-43B3-948B-1728B52AA6E4}">
+                <adec:decorative xmlns:adec="http://schemas.microsoft.com/office/drawing/2017/decorative" val="1"/>
+              </a:ext>
+            </a:extLst>
+          </p:cNvPr>
+          <p:cNvSpPr>
+            <a:spLocks noGrp="1" noRot="1" noChangeAspect="1" noMove="1" noResize="1" noEditPoints="1" noAdjustHandles="1" noChangeArrowheads="1" noChangeShapeType="1" noTextEdit="1"/>
+          </p:cNvSpPr>
+          <p:nvPr>
+            <p:extLst>
+              <p:ext uri="{386F3935-93C4-4BCD-93E2-E3B085C9AB24}">
+                <p16:designElem xmlns:p16="http://schemas.microsoft.com/office/powerpoint/2015/main" val="1"/>
+              </p:ext>
+            </p:extLst>
+          </p:nvPr>
+        </p:nvSpPr>
+        <p:spPr bwMode="auto">
+          <a:xfrm>
+            <a:off x="0" y="-3175"/>
+            <a:ext cx="12192000" cy="5203825"/>
+          </a:xfrm>
+          <a:custGeom>
+            <a:avLst/>
+            <a:gdLst/>
+            <a:ahLst/>
+            <a:cxnLst/>
+            <a:rect l="0" t="0" r="r" b="b"/>
+            <a:pathLst>
+              <a:path w="5760" h="3278">
+                <a:moveTo>
+                  <a:pt x="5760" y="0"/>
+                </a:moveTo>
+                <a:lnTo>
+                  <a:pt x="0" y="0"/>
+                </a:lnTo>
+                <a:lnTo>
+                  <a:pt x="0" y="3090"/>
+                </a:lnTo>
+                <a:lnTo>
+                  <a:pt x="943" y="3090"/>
+                </a:lnTo>
+                <a:lnTo>
+                  <a:pt x="1123" y="3270"/>
+                </a:lnTo>
+                <a:lnTo>
+                  <a:pt x="1123" y="3270"/>
+                </a:lnTo>
+                <a:lnTo>
+                  <a:pt x="1127" y="3272"/>
+                </a:lnTo>
+                <a:lnTo>
+                  <a:pt x="1133" y="3275"/>
+                </a:lnTo>
+                <a:lnTo>
+                  <a:pt x="1139" y="3278"/>
+                </a:lnTo>
+                <a:lnTo>
+                  <a:pt x="1144" y="3278"/>
+                </a:lnTo>
+                <a:lnTo>
+                  <a:pt x="1150" y="3278"/>
+                </a:lnTo>
+                <a:lnTo>
+                  <a:pt x="1155" y="3275"/>
+                </a:lnTo>
+                <a:lnTo>
+                  <a:pt x="1161" y="3272"/>
+                </a:lnTo>
+                <a:lnTo>
+                  <a:pt x="1165" y="3270"/>
+                </a:lnTo>
+                <a:lnTo>
+                  <a:pt x="1345" y="3090"/>
+                </a:lnTo>
+                <a:lnTo>
+                  <a:pt x="5760" y="3090"/>
+                </a:lnTo>
+                <a:lnTo>
+                  <a:pt x="5760" y="0"/>
+                </a:lnTo>
+                <a:close/>
+              </a:path>
+            </a:pathLst>
+          </a:custGeom>
+          <a:ln/>
+          <a:effectLst/>
+          <a:extLst>
+            <a:ext uri="{91240B29-F687-4f45-9708-019B960494DF}">
+              <a14:hiddenLine xmlns:a14="http://schemas.microsoft.com/office/drawing/2010/main" xmlns:p14="http://schemas.microsoft.com/office/powerpoint/2010/main" xmlns:a16="http://schemas.microsoft.com/office/drawing/2014/main" xmlns="" w="9525">
+                <a:solidFill>
+                  <a:srgbClr val="000000"/>
+                </a:solidFill>
+                <a:round/>
+                <a:headEnd/>
+                <a:tailEnd/>
+              </a14:hiddenLine>
+            </a:ext>
+          </a:extLst>
+        </p:spPr>
+        <p:style>
+          <a:lnRef idx="1">
+            <a:schemeClr val="accent1"/>
+          </a:lnRef>
+          <a:fillRef idx="3">
+            <a:schemeClr val="accent1"/>
+          </a:fillRef>
+          <a:effectRef idx="2">
+            <a:schemeClr val="accent1"/>
+          </a:effectRef>
+          <a:fontRef idx="minor">
+            <a:schemeClr val="lt1"/>
+          </a:fontRef>
+        </p:style>
+      </p:sp>
+      <p:sp>
+        <p:nvSpPr>
+          <p:cNvPr id="12" name="Rectangle 11">
+            <a:extLst>
+              <a:ext uri="{FF2B5EF4-FFF2-40B4-BE49-F238E27FC236}">
+                <a16:creationId xmlns:a16="http://schemas.microsoft.com/office/drawing/2014/main" id="{79277119-B941-4A45-9322-FA2BC135DE62}"/>
+              </a:ext>
+              <a:ext uri="{C183D7F6-B498-43B3-948B-1728B52AA6E4}">
+                <adec:decorative xmlns:adec="http://schemas.microsoft.com/office/drawing/2017/decorative" val="1"/>
+              </a:ext>
+            </a:extLst>
+          </p:cNvPr>
+          <p:cNvSpPr>
+            <a:spLocks noGrp="1" noRot="1" noChangeAspect="1" noMove="1" noResize="1" noEditPoints="1" noAdjustHandles="1" noChangeArrowheads="1" noChangeShapeType="1" noTextEdit="1"/>
+          </p:cNvSpPr>
+          <p:nvPr>
+            <p:extLst>
+              <p:ext uri="{386F3935-93C4-4BCD-93E2-E3B085C9AB24}">
+                <p16:designElem xmlns:p16="http://schemas.microsoft.com/office/powerpoint/2015/main" val="1"/>
+              </p:ext>
+            </p:extLst>
+          </p:nvPr>
+        </p:nvSpPr>
+        <p:spPr>
+          <a:xfrm>
+            <a:off x="0" y="0"/>
+            <a:ext cx="12192000" cy="6858000"/>
+          </a:xfrm>
+          <a:prstGeom prst="rect">
+            <a:avLst/>
+          </a:prstGeom>
+          <a:solidFill>
+            <a:schemeClr val="bg1"/>
+          </a:solidFill>
+          <a:ln>
+            <a:noFill/>
+          </a:ln>
+        </p:spPr>
+        <p:style>
+          <a:lnRef idx="2">
+            <a:schemeClr val="accent1">
+              <a:shade val="50000"/>
+            </a:schemeClr>
+          </a:lnRef>
+          <a:fillRef idx="1">
+            <a:schemeClr val="accent1"/>
+          </a:fillRef>
+          <a:effectRef idx="0">
+            <a:schemeClr val="accent1"/>
+          </a:effectRef>
+          <a:fontRef idx="minor">
+            <a:schemeClr val="lt1"/>
+          </a:fontRef>
+        </p:style>
+        <p:txBody>
+          <a:bodyPr rtlCol="0" anchor="ctr"/>
+          <a:lstStyle/>
+          <a:p>
+            <a:pPr algn="ctr"/>
+            <a:endParaRPr lang="en-US"/>
+          </a:p>
+        </p:txBody>
+      </p:sp>
+      <p:sp>
+        <p:nvSpPr>
+          <p:cNvPr id="14" name="Freeform 23">
+            <a:extLst>
+              <a:ext uri="{FF2B5EF4-FFF2-40B4-BE49-F238E27FC236}">
+                <a16:creationId xmlns:a16="http://schemas.microsoft.com/office/drawing/2014/main" id="{DFDB457D-F372-428B-A10D-41080EF9382A}"/>
+              </a:ext>
+              <a:ext uri="{C183D7F6-B498-43B3-948B-1728B52AA6E4}">
+                <adec:decorative xmlns:adec="http://schemas.microsoft.com/office/drawing/2017/decorative" val="1"/>
+              </a:ext>
+            </a:extLst>
+          </p:cNvPr>
+          <p:cNvSpPr>
+            <a:spLocks noGrp="1" noRot="1" noChangeAspect="1" noMove="1" noResize="1" noEditPoints="1" noAdjustHandles="1" noChangeArrowheads="1" noChangeShapeType="1" noTextEdit="1"/>
+          </p:cNvSpPr>
+          <p:nvPr>
+            <p:extLst>
+              <p:ext uri="{386F3935-93C4-4BCD-93E2-E3B085C9AB24}">
+                <p16:designElem xmlns:p16="http://schemas.microsoft.com/office/powerpoint/2015/main" val="1"/>
+              </p:ext>
+            </p:extLst>
+          </p:nvPr>
+        </p:nvSpPr>
+        <p:spPr bwMode="white">
+          <a:xfrm flipH="1">
+            <a:off x="7554995" y="0"/>
+            <a:ext cx="4637005" cy="6858000"/>
+          </a:xfrm>
+          <a:custGeom>
+            <a:avLst/>
+            <a:gdLst>
+              <a:gd name="connsiteX0" fmla="*/ 0 w 4637005"/>
+              <a:gd name="connsiteY0" fmla="*/ 0 h 6858000"/>
+              <a:gd name="connsiteX1" fmla="*/ 4637005 w 4637005"/>
+              <a:gd name="connsiteY1" fmla="*/ 0 h 6858000"/>
+              <a:gd name="connsiteX2" fmla="*/ 4637005 w 4637005"/>
+              <a:gd name="connsiteY2" fmla="*/ 1900238 h 6858000"/>
+              <a:gd name="connsiteX3" fmla="*/ 4266589 w 4637005"/>
+              <a:gd name="connsiteY3" fmla="*/ 2178050 h 6858000"/>
+              <a:gd name="connsiteX4" fmla="*/ 4262355 w 4637005"/>
+              <a:gd name="connsiteY4" fmla="*/ 2184400 h 6858000"/>
+              <a:gd name="connsiteX5" fmla="*/ 4256005 w 4637005"/>
+              <a:gd name="connsiteY5" fmla="*/ 2193925 h 6858000"/>
+              <a:gd name="connsiteX6" fmla="*/ 4249655 w 4637005"/>
+              <a:gd name="connsiteY6" fmla="*/ 2201863 h 6858000"/>
+              <a:gd name="connsiteX7" fmla="*/ 4249655 w 4637005"/>
+              <a:gd name="connsiteY7" fmla="*/ 2211388 h 6858000"/>
+              <a:gd name="connsiteX8" fmla="*/ 4249655 w 4637005"/>
+              <a:gd name="connsiteY8" fmla="*/ 2220913 h 6858000"/>
+              <a:gd name="connsiteX9" fmla="*/ 4256005 w 4637005"/>
+              <a:gd name="connsiteY9" fmla="*/ 2228850 h 6858000"/>
+              <a:gd name="connsiteX10" fmla="*/ 4262355 w 4637005"/>
+              <a:gd name="connsiteY10" fmla="*/ 2238375 h 6858000"/>
+              <a:gd name="connsiteX11" fmla="*/ 4266589 w 4637005"/>
+              <a:gd name="connsiteY11" fmla="*/ 2244725 h 6858000"/>
+              <a:gd name="connsiteX12" fmla="*/ 4637005 w 4637005"/>
+              <a:gd name="connsiteY12" fmla="*/ 2522538 h 6858000"/>
+              <a:gd name="connsiteX13" fmla="*/ 4637005 w 4637005"/>
+              <a:gd name="connsiteY13" fmla="*/ 6858000 h 6858000"/>
+              <a:gd name="connsiteX14" fmla="*/ 0 w 4637005"/>
+              <a:gd name="connsiteY14" fmla="*/ 6858000 h 6858000"/>
+            </a:gdLst>
+            <a:ahLst/>
+            <a:cxnLst>
+              <a:cxn ang="0">
+                <a:pos x="connsiteX0" y="connsiteY0"/>
+              </a:cxn>
+              <a:cxn ang="0">
+                <a:pos x="connsiteX1" y="connsiteY1"/>
+              </a:cxn>
+              <a:cxn ang="0">
+                <a:pos x="connsiteX2" y="connsiteY2"/>
+              </a:cxn>
+              <a:cxn ang="0">
+                <a:pos x="connsiteX3" y="connsiteY3"/>
+              </a:cxn>
+              <a:cxn ang="0">
+                <a:pos x="connsiteX4" y="connsiteY4"/>
+              </a:cxn>
+              <a:cxn ang="0">
+                <a:pos x="connsiteX5" y="connsiteY5"/>
+              </a:cxn>
+              <a:cxn ang="0">
+                <a:pos x="connsiteX6" y="connsiteY6"/>
+              </a:cxn>
+              <a:cxn ang="0">
+                <a:pos x="connsiteX7" y="connsiteY7"/>
+              </a:cxn>
+              <a:cxn ang="0">
+                <a:pos x="connsiteX8" y="connsiteY8"/>
+              </a:cxn>
+              <a:cxn ang="0">
+                <a:pos x="connsiteX9" y="connsiteY9"/>
+              </a:cxn>
+              <a:cxn ang="0">
+                <a:pos x="connsiteX10" y="connsiteY10"/>
+              </a:cxn>
+              <a:cxn ang="0">
+                <a:pos x="connsiteX11" y="connsiteY11"/>
+              </a:cxn>
+              <a:cxn ang="0">
+                <a:pos x="connsiteX12" y="connsiteY12"/>
+              </a:cxn>
+              <a:cxn ang="0">
+                <a:pos x="connsiteX13" y="connsiteY13"/>
+              </a:cxn>
+              <a:cxn ang="0">
+                <a:pos x="connsiteX14" y="connsiteY14"/>
+              </a:cxn>
+            </a:cxnLst>
+            <a:rect l="l" t="t" r="r" b="b"/>
+            <a:pathLst>
+              <a:path w="4637005" h="6858000">
+                <a:moveTo>
+                  <a:pt x="0" y="0"/>
+                </a:moveTo>
+                <a:lnTo>
+                  <a:pt x="4637005" y="0"/>
+                </a:lnTo>
+                <a:lnTo>
+                  <a:pt x="4637005" y="1900238"/>
+                </a:lnTo>
+                <a:lnTo>
+                  <a:pt x="4266589" y="2178050"/>
+                </a:lnTo>
+                <a:lnTo>
+                  <a:pt x="4262355" y="2184400"/>
+                </a:lnTo>
+                <a:lnTo>
+                  <a:pt x="4256005" y="2193925"/>
+                </a:lnTo>
+                <a:lnTo>
+                  <a:pt x="4249655" y="2201863"/>
+                </a:lnTo>
+                <a:lnTo>
+                  <a:pt x="4249655" y="2211388"/>
+                </a:lnTo>
+                <a:lnTo>
+                  <a:pt x="4249655" y="2220913"/>
+                </a:lnTo>
+                <a:lnTo>
+                  <a:pt x="4256005" y="2228850"/>
+                </a:lnTo>
+                <a:lnTo>
+                  <a:pt x="4262355" y="2238375"/>
+                </a:lnTo>
+                <a:lnTo>
+                  <a:pt x="4266589" y="2244725"/>
+                </a:lnTo>
+                <a:lnTo>
+                  <a:pt x="4637005" y="2522538"/>
+                </a:lnTo>
+                <a:lnTo>
+                  <a:pt x="4637005" y="6858000"/>
+                </a:lnTo>
+                <a:lnTo>
+                  <a:pt x="0" y="6858000"/>
+                </a:lnTo>
+                <a:close/>
+              </a:path>
+            </a:pathLst>
+          </a:custGeom>
+          <a:blipFill>
+            <a:blip r:embed="rId2">
+              <a:duotone>
+                <a:schemeClr val="accent1">
+                  <a:tint val="98000"/>
+                  <a:lumMod val="102000"/>
+                </a:schemeClr>
+                <a:schemeClr val="accent1">
+                  <a:shade val="98000"/>
+                  <a:lumMod val="98000"/>
+                </a:schemeClr>
+              </a:duotone>
+            </a:blip>
+            <a:tile tx="0" ty="0" sx="100000" sy="100000" flip="none" algn="tl"/>
+          </a:blipFill>
+          <a:ln>
+            <a:headEnd/>
+            <a:tailEnd/>
+          </a:ln>
+        </p:spPr>
+        <p:style>
+          <a:lnRef idx="1">
+            <a:schemeClr val="accent1"/>
+          </a:lnRef>
+          <a:fillRef idx="3">
+            <a:schemeClr val="accent1"/>
+          </a:fillRef>
+          <a:effectRef idx="2">
+            <a:schemeClr val="accent1"/>
+          </a:effectRef>
+          <a:fontRef idx="minor">
+            <a:schemeClr val="lt1"/>
+          </a:fontRef>
+        </p:style>
+        <p:txBody>
+          <a:bodyPr wrap="square" rtlCol="0" anchor="ctr">
+            <a:noAutofit/>
+          </a:bodyPr>
+          <a:lstStyle/>
+          <a:p>
+            <a:pPr algn="ctr"/>
+            <a:endParaRPr lang="en-US"/>
+          </a:p>
+        </p:txBody>
+      </p:sp>
+      <p:sp>
+        <p:nvSpPr>
+          <p:cNvPr id="2" name="Title 1">
+            <a:extLst>
+              <a:ext uri="{FF2B5EF4-FFF2-40B4-BE49-F238E27FC236}">
+                <a16:creationId xmlns:a16="http://schemas.microsoft.com/office/drawing/2014/main" id="{4400C11E-0102-4FA5-8CCA-1C4452827493}"/>
+              </a:ext>
+            </a:extLst>
+          </p:cNvPr>
+          <p:cNvSpPr>
+            <a:spLocks noGrp="1"/>
+          </p:cNvSpPr>
+          <p:nvPr>
+            <p:ph type="title"/>
+          </p:nvPr>
+        </p:nvSpPr>
+        <p:spPr>
+          <a:xfrm>
+            <a:off x="8134349" y="1819275"/>
+            <a:ext cx="3606137" cy="4222087"/>
+          </a:xfrm>
+        </p:spPr>
+        <p:txBody>
+          <a:bodyPr vert="horz" lIns="91440" tIns="45720" rIns="91440" bIns="45720" rtlCol="0" anchor="t">
+            <a:normAutofit/>
+          </a:bodyPr>
+          <a:lstStyle/>
+          <a:p>
+            <a:r>
+              <a:rPr lang="en-US" sz="4400" dirty="0"/>
+              <a:t>Robot Pipeline</a:t>
+            </a:r>
+          </a:p>
+        </p:txBody>
+      </p:sp>
+      <p:pic>
+        <p:nvPicPr>
+          <p:cNvPr id="5" name="Content Placeholder 4" descr="A close up of a logo&#10;&#10;Description automatically generated">
+            <a:extLst>
+              <a:ext uri="{FF2B5EF4-FFF2-40B4-BE49-F238E27FC236}">
+                <a16:creationId xmlns:a16="http://schemas.microsoft.com/office/drawing/2014/main" id="{2C225E2A-3D09-4AA8-AF5A-38153F50387E}"/>
+              </a:ext>
+            </a:extLst>
+          </p:cNvPr>
+          <p:cNvPicPr>
+            <a:picLocks noGrp="1" noChangeAspect="1"/>
+          </p:cNvPicPr>
+          <p:nvPr>
+            <p:ph idx="1"/>
+          </p:nvPr>
+        </p:nvPicPr>
+        <p:blipFill>
+          <a:blip r:embed="rId3"/>
+          <a:stretch>
+            <a:fillRect/>
+          </a:stretch>
+        </p:blipFill>
+        <p:spPr>
+          <a:xfrm>
+            <a:off x="643467" y="827356"/>
+            <a:ext cx="6268060" cy="5030118"/>
+          </a:xfrm>
+          <a:prstGeom prst="roundRect">
+            <a:avLst>
+              <a:gd name="adj" fmla="val 3876"/>
+            </a:avLst>
+          </a:prstGeom>
+          <a:ln>
+            <a:solidFill>
+              <a:schemeClr val="accent1"/>
+            </a:solidFill>
+          </a:ln>
+          <a:effectLst/>
+        </p:spPr>
+      </p:pic>
+    </p:spTree>
+    <p:extLst>
+      <p:ext uri="{BB962C8B-B14F-4D97-AF65-F5344CB8AC3E}">
+        <p14:creationId xmlns:p14="http://schemas.microsoft.com/office/powerpoint/2010/main" val="2750826401"/>
+      </p:ext>
+    </p:extLst>
+  </p:cSld>
+  <p:clrMapOvr>
+    <a:overrideClrMapping bg1="lt1" tx1="dk1" bg2="lt2" tx2="dk2" accent1="accent1" accent2="accent2" accent3="accent3" accent4="accent4" accent5="accent5" accent6="accent6" hlink="hlink" folHlink="folHlink"/>
   </p:clrMapOvr>
 </p:sld>
 </file>
